--- a/week3/week3_slideshow.pptx
+++ b/week3/week3_slideshow.pptx
@@ -14,6 +14,12 @@
     <p:sldId id="290" r:id="rId8"/>
     <p:sldId id="291" r:id="rId9"/>
     <p:sldId id="292" r:id="rId10"/>
+    <p:sldId id="293" r:id="rId11"/>
+    <p:sldId id="294" r:id="rId12"/>
+    <p:sldId id="295" r:id="rId13"/>
+    <p:sldId id="296" r:id="rId14"/>
+    <p:sldId id="297" r:id="rId15"/>
+    <p:sldId id="298" r:id="rId16"/>
   </p:sldIdLst>
   <p:sldSz cx="12192000" cy="6858000"/>
   <p:notesSz cx="6858000" cy="9144000"/>
@@ -394,7 +400,7 @@
           <a:p>
             <a:fld id="{34891F7B-7391-4F87-9AA4-1E9AC2164F40}" type="datetimeFigureOut">
               <a:rPr lang="en-US" smtClean="0"/>
-              <a:t>2/10/2022</a:t>
+              <a:t>2/11/2022</a:t>
             </a:fld>
             <a:endParaRPr lang="en-US"/>
           </a:p>
@@ -808,7 +814,7 @@
           <a:p>
             <a:fld id="{34891F7B-7391-4F87-9AA4-1E9AC2164F40}" type="datetimeFigureOut">
               <a:rPr lang="en-US" smtClean="0"/>
-              <a:t>2/10/2022</a:t>
+              <a:t>2/11/2022</a:t>
             </a:fld>
             <a:endParaRPr lang="en-US"/>
           </a:p>
@@ -1144,7 +1150,7 @@
           <a:p>
             <a:fld id="{34891F7B-7391-4F87-9AA4-1E9AC2164F40}" type="datetimeFigureOut">
               <a:rPr lang="en-US" smtClean="0"/>
-              <a:t>2/10/2022</a:t>
+              <a:t>2/11/2022</a:t>
             </a:fld>
             <a:endParaRPr lang="en-US"/>
           </a:p>
@@ -1549,7 +1555,7 @@
           <a:p>
             <a:fld id="{34891F7B-7391-4F87-9AA4-1E9AC2164F40}" type="datetimeFigureOut">
               <a:rPr lang="en-US" smtClean="0"/>
-              <a:t>2/10/2022</a:t>
+              <a:t>2/11/2022</a:t>
             </a:fld>
             <a:endParaRPr lang="en-US"/>
           </a:p>
@@ -2117,7 +2123,7 @@
           <a:p>
             <a:fld id="{34891F7B-7391-4F87-9AA4-1E9AC2164F40}" type="datetimeFigureOut">
               <a:rPr lang="en-US" smtClean="0"/>
-              <a:t>2/10/2022</a:t>
+              <a:t>2/11/2022</a:t>
             </a:fld>
             <a:endParaRPr lang="en-US"/>
           </a:p>
@@ -2798,7 +2804,7 @@
           <a:p>
             <a:fld id="{34891F7B-7391-4F87-9AA4-1E9AC2164F40}" type="datetimeFigureOut">
               <a:rPr lang="en-US" smtClean="0"/>
-              <a:t>2/10/2022</a:t>
+              <a:t>2/11/2022</a:t>
             </a:fld>
             <a:endParaRPr lang="en-US"/>
           </a:p>
@@ -3711,7 +3717,7 @@
           <a:p>
             <a:fld id="{34891F7B-7391-4F87-9AA4-1E9AC2164F40}" type="datetimeFigureOut">
               <a:rPr lang="en-US" smtClean="0"/>
-              <a:t>2/10/2022</a:t>
+              <a:t>2/11/2022</a:t>
             </a:fld>
             <a:endParaRPr lang="en-US"/>
           </a:p>
@@ -4024,7 +4030,7 @@
           <a:p>
             <a:fld id="{34891F7B-7391-4F87-9AA4-1E9AC2164F40}" type="datetimeFigureOut">
               <a:rPr lang="en-US" smtClean="0"/>
-              <a:t>2/10/2022</a:t>
+              <a:t>2/11/2022</a:t>
             </a:fld>
             <a:endParaRPr lang="en-US"/>
           </a:p>
@@ -4288,7 +4294,7 @@
           <a:p>
             <a:fld id="{34891F7B-7391-4F87-9AA4-1E9AC2164F40}" type="datetimeFigureOut">
               <a:rPr lang="en-US" smtClean="0"/>
-              <a:t>2/10/2022</a:t>
+              <a:t>2/11/2022</a:t>
             </a:fld>
             <a:endParaRPr lang="en-US"/>
           </a:p>
@@ -4637,7 +4643,7 @@
           <a:p>
             <a:fld id="{34891F7B-7391-4F87-9AA4-1E9AC2164F40}" type="datetimeFigureOut">
               <a:rPr lang="en-US" smtClean="0"/>
-              <a:t>2/10/2022</a:t>
+              <a:t>2/11/2022</a:t>
             </a:fld>
             <a:endParaRPr lang="en-US"/>
           </a:p>
@@ -4951,7 +4957,7 @@
           <a:p>
             <a:fld id="{34891F7B-7391-4F87-9AA4-1E9AC2164F40}" type="datetimeFigureOut">
               <a:rPr lang="en-US" smtClean="0"/>
-              <a:t>2/10/2022</a:t>
+              <a:t>2/11/2022</a:t>
             </a:fld>
             <a:endParaRPr lang="en-US"/>
           </a:p>
@@ -5260,7 +5266,7 @@
           <a:p>
             <a:fld id="{34891F7B-7391-4F87-9AA4-1E9AC2164F40}" type="datetimeFigureOut">
               <a:rPr lang="en-US" smtClean="0"/>
-              <a:t>2/10/2022</a:t>
+              <a:t>2/11/2022</a:t>
             </a:fld>
             <a:endParaRPr lang="en-US"/>
           </a:p>
@@ -5649,7 +5655,7 @@
           <a:p>
             <a:fld id="{34891F7B-7391-4F87-9AA4-1E9AC2164F40}" type="datetimeFigureOut">
               <a:rPr lang="en-US" smtClean="0"/>
-              <a:t>2/10/2022</a:t>
+              <a:t>2/11/2022</a:t>
             </a:fld>
             <a:endParaRPr lang="en-US"/>
           </a:p>
@@ -6025,7 +6031,7 @@
           <a:p>
             <a:fld id="{34891F7B-7391-4F87-9AA4-1E9AC2164F40}" type="datetimeFigureOut">
               <a:rPr lang="en-US" smtClean="0"/>
-              <a:t>2/10/2022</a:t>
+              <a:t>2/11/2022</a:t>
             </a:fld>
             <a:endParaRPr lang="en-US"/>
           </a:p>
@@ -6531,7 +6537,7 @@
           <a:p>
             <a:fld id="{34891F7B-7391-4F87-9AA4-1E9AC2164F40}" type="datetimeFigureOut">
               <a:rPr lang="en-US" smtClean="0"/>
-              <a:t>2/10/2022</a:t>
+              <a:t>2/11/2022</a:t>
             </a:fld>
             <a:endParaRPr lang="en-US"/>
           </a:p>
@@ -6788,7 +6794,7 @@
           <a:p>
             <a:fld id="{34891F7B-7391-4F87-9AA4-1E9AC2164F40}" type="datetimeFigureOut">
               <a:rPr lang="en-US" smtClean="0"/>
-              <a:t>2/10/2022</a:t>
+              <a:t>2/11/2022</a:t>
             </a:fld>
             <a:endParaRPr lang="en-US"/>
           </a:p>
@@ -6951,7 +6957,7 @@
           <a:p>
             <a:fld id="{34891F7B-7391-4F87-9AA4-1E9AC2164F40}" type="datetimeFigureOut">
               <a:rPr lang="en-US" smtClean="0"/>
-              <a:t>2/10/2022</a:t>
+              <a:t>2/11/2022</a:t>
             </a:fld>
             <a:endParaRPr lang="en-US"/>
           </a:p>
@@ -7341,7 +7347,7 @@
           <a:p>
             <a:fld id="{34891F7B-7391-4F87-9AA4-1E9AC2164F40}" type="datetimeFigureOut">
               <a:rPr lang="en-US" smtClean="0"/>
-              <a:t>2/10/2022</a:t>
+              <a:t>2/11/2022</a:t>
             </a:fld>
             <a:endParaRPr lang="en-US"/>
           </a:p>
@@ -7750,7 +7756,7 @@
           <a:p>
             <a:fld id="{34891F7B-7391-4F87-9AA4-1E9AC2164F40}" type="datetimeFigureOut">
               <a:rPr lang="en-US" smtClean="0"/>
-              <a:t>2/10/2022</a:t>
+              <a:t>2/11/2022</a:t>
             </a:fld>
             <a:endParaRPr lang="en-US"/>
           </a:p>
@@ -8159,7 +8165,7 @@
           <a:p>
             <a:fld id="{34891F7B-7391-4F87-9AA4-1E9AC2164F40}" type="datetimeFigureOut">
               <a:rPr lang="en-US" smtClean="0"/>
-              <a:t>2/10/2022</a:t>
+              <a:t>2/11/2022</a:t>
             </a:fld>
             <a:endParaRPr lang="en-US"/>
           </a:p>
@@ -8495,7 +8501,7 @@
           <a:p>
             <a:fld id="{34891F7B-7391-4F87-9AA4-1E9AC2164F40}" type="datetimeFigureOut">
               <a:rPr lang="en-US" smtClean="0"/>
-              <a:t>2/10/2022</a:t>
+              <a:t>2/11/2022</a:t>
             </a:fld>
             <a:endParaRPr lang="en-US"/>
           </a:p>
@@ -8900,7 +8906,7 @@
           <a:p>
             <a:fld id="{34891F7B-7391-4F87-9AA4-1E9AC2164F40}" type="datetimeFigureOut">
               <a:rPr lang="en-US" smtClean="0"/>
-              <a:t>2/10/2022</a:t>
+              <a:t>2/11/2022</a:t>
             </a:fld>
             <a:endParaRPr lang="en-US"/>
           </a:p>
@@ -9526,7 +9532,7 @@
           <a:p>
             <a:fld id="{34891F7B-7391-4F87-9AA4-1E9AC2164F40}" type="datetimeFigureOut">
               <a:rPr lang="en-US" smtClean="0"/>
-              <a:t>2/10/2022</a:t>
+              <a:t>2/11/2022</a:t>
             </a:fld>
             <a:endParaRPr lang="en-US"/>
           </a:p>
@@ -9862,7 +9868,7 @@
           <a:p>
             <a:fld id="{34891F7B-7391-4F87-9AA4-1E9AC2164F40}" type="datetimeFigureOut">
               <a:rPr lang="en-US" smtClean="0"/>
-              <a:t>2/10/2022</a:t>
+              <a:t>2/11/2022</a:t>
             </a:fld>
             <a:endParaRPr lang="en-US"/>
           </a:p>
@@ -10543,7 +10549,7 @@
           <a:p>
             <a:fld id="{34891F7B-7391-4F87-9AA4-1E9AC2164F40}" type="datetimeFigureOut">
               <a:rPr lang="en-US" smtClean="0"/>
-              <a:t>2/10/2022</a:t>
+              <a:t>2/11/2022</a:t>
             </a:fld>
             <a:endParaRPr lang="en-US"/>
           </a:p>
@@ -11456,7 +11462,7 @@
           <a:p>
             <a:fld id="{34891F7B-7391-4F87-9AA4-1E9AC2164F40}" type="datetimeFigureOut">
               <a:rPr lang="en-US" smtClean="0"/>
-              <a:t>2/10/2022</a:t>
+              <a:t>2/11/2022</a:t>
             </a:fld>
             <a:endParaRPr lang="en-US"/>
           </a:p>
@@ -11769,7 +11775,7 @@
           <a:p>
             <a:fld id="{34891F7B-7391-4F87-9AA4-1E9AC2164F40}" type="datetimeFigureOut">
               <a:rPr lang="en-US" smtClean="0"/>
-              <a:t>2/10/2022</a:t>
+              <a:t>2/11/2022</a:t>
             </a:fld>
             <a:endParaRPr lang="en-US"/>
           </a:p>
@@ -12033,7 +12039,7 @@
           <a:p>
             <a:fld id="{34891F7B-7391-4F87-9AA4-1E9AC2164F40}" type="datetimeFigureOut">
               <a:rPr lang="en-US" smtClean="0"/>
-              <a:t>2/10/2022</a:t>
+              <a:t>2/11/2022</a:t>
             </a:fld>
             <a:endParaRPr lang="en-US"/>
           </a:p>
@@ -12418,7 +12424,7 @@
           <a:p>
             <a:fld id="{34891F7B-7391-4F87-9AA4-1E9AC2164F40}" type="datetimeFigureOut">
               <a:rPr lang="en-US" smtClean="0"/>
-              <a:t>2/10/2022</a:t>
+              <a:t>2/11/2022</a:t>
             </a:fld>
             <a:endParaRPr lang="en-US"/>
           </a:p>
@@ -12924,7 +12930,7 @@
           <a:p>
             <a:fld id="{34891F7B-7391-4F87-9AA4-1E9AC2164F40}" type="datetimeFigureOut">
               <a:rPr lang="en-US" smtClean="0"/>
-              <a:t>2/10/2022</a:t>
+              <a:t>2/11/2022</a:t>
             </a:fld>
             <a:endParaRPr lang="en-US"/>
           </a:p>
@@ -13181,7 +13187,7 @@
           <a:p>
             <a:fld id="{34891F7B-7391-4F87-9AA4-1E9AC2164F40}" type="datetimeFigureOut">
               <a:rPr lang="en-US" smtClean="0"/>
-              <a:t>2/10/2022</a:t>
+              <a:t>2/11/2022</a:t>
             </a:fld>
             <a:endParaRPr lang="en-US"/>
           </a:p>
@@ -13344,7 +13350,7 @@
           <a:p>
             <a:fld id="{34891F7B-7391-4F87-9AA4-1E9AC2164F40}" type="datetimeFigureOut">
               <a:rPr lang="en-US" smtClean="0"/>
-              <a:t>2/10/2022</a:t>
+              <a:t>2/11/2022</a:t>
             </a:fld>
             <a:endParaRPr lang="en-US"/>
           </a:p>
@@ -13734,7 +13740,7 @@
           <a:p>
             <a:fld id="{34891F7B-7391-4F87-9AA4-1E9AC2164F40}" type="datetimeFigureOut">
               <a:rPr lang="en-US" smtClean="0"/>
-              <a:t>2/10/2022</a:t>
+              <a:t>2/11/2022</a:t>
             </a:fld>
             <a:endParaRPr lang="en-US"/>
           </a:p>
@@ -14143,7 +14149,7 @@
           <a:p>
             <a:fld id="{34891F7B-7391-4F87-9AA4-1E9AC2164F40}" type="datetimeFigureOut">
               <a:rPr lang="en-US" smtClean="0"/>
-              <a:t>2/10/2022</a:t>
+              <a:t>2/11/2022</a:t>
             </a:fld>
             <a:endParaRPr lang="en-US"/>
           </a:p>
@@ -14387,7 +14393,7 @@
           <a:p>
             <a:fld id="{34891F7B-7391-4F87-9AA4-1E9AC2164F40}" type="datetimeFigureOut">
               <a:rPr lang="en-US" smtClean="0"/>
-              <a:t>2/10/2022</a:t>
+              <a:t>2/11/2022</a:t>
             </a:fld>
             <a:endParaRPr lang="en-US"/>
           </a:p>
@@ -14964,7 +14970,7 @@
           <a:p>
             <a:fld id="{34891F7B-7391-4F87-9AA4-1E9AC2164F40}" type="datetimeFigureOut">
               <a:rPr lang="en-US" smtClean="0"/>
-              <a:t>2/10/2022</a:t>
+              <a:t>2/11/2022</a:t>
             </a:fld>
             <a:endParaRPr lang="en-US"/>
           </a:p>
@@ -15398,7 +15404,7 @@
           <a:p>
             <a:r>
               <a:rPr lang="en-US" dirty="0"/>
-              <a:t>Dart Week 2</a:t>
+              <a:t>Dart Week 3</a:t>
             </a:r>
           </a:p>
         </p:txBody>
@@ -15432,6 +15438,1113 @@
     <p:extLst>
       <p:ext uri="{BB962C8B-B14F-4D97-AF65-F5344CB8AC3E}">
         <p14:creationId xmlns:p14="http://schemas.microsoft.com/office/powerpoint/2010/main" val="3114809883"/>
+      </p:ext>
+    </p:extLst>
+  </p:cSld>
+  <p:clrMapOvr>
+    <a:masterClrMapping/>
+  </p:clrMapOvr>
+</p:sld>
+</file>
+
+<file path=ppt/slides/slide10.xml><?xml version="1.0" encoding="utf-8"?>
+<p:sld xmlns:a="http://schemas.openxmlformats.org/drawingml/2006/main" xmlns:r="http://schemas.openxmlformats.org/officeDocument/2006/relationships" xmlns:p="http://schemas.openxmlformats.org/presentationml/2006/main">
+  <p:cSld>
+    <p:spTree>
+      <p:nvGrpSpPr>
+        <p:cNvPr id="1" name=""/>
+        <p:cNvGrpSpPr/>
+        <p:nvPr/>
+      </p:nvGrpSpPr>
+      <p:grpSpPr>
+        <a:xfrm>
+          <a:off x="0" y="0"/>
+          <a:ext cx="0" cy="0"/>
+          <a:chOff x="0" y="0"/>
+          <a:chExt cx="0" cy="0"/>
+        </a:xfrm>
+      </p:grpSpPr>
+      <p:sp>
+        <p:nvSpPr>
+          <p:cNvPr id="2" name="Title 1">
+            <a:extLst>
+              <a:ext uri="{FF2B5EF4-FFF2-40B4-BE49-F238E27FC236}">
+                <a16:creationId xmlns:a16="http://schemas.microsoft.com/office/drawing/2014/main" id="{764356C1-CA34-4517-A3EC-F91F2717C5BF}"/>
+              </a:ext>
+            </a:extLst>
+          </p:cNvPr>
+          <p:cNvSpPr>
+            <a:spLocks noGrp="1"/>
+          </p:cNvSpPr>
+          <p:nvPr>
+            <p:ph type="title"/>
+          </p:nvPr>
+        </p:nvSpPr>
+        <p:spPr/>
+        <p:txBody>
+          <a:bodyPr/>
+          <a:lstStyle/>
+          <a:p>
+            <a:r>
+              <a:rPr lang="en-US" dirty="0"/>
+              <a:t>Classes: Inheritance</a:t>
+            </a:r>
+          </a:p>
+        </p:txBody>
+      </p:sp>
+      <p:sp>
+        <p:nvSpPr>
+          <p:cNvPr id="3" name="Content Placeholder 2">
+            <a:extLst>
+              <a:ext uri="{FF2B5EF4-FFF2-40B4-BE49-F238E27FC236}">
+                <a16:creationId xmlns:a16="http://schemas.microsoft.com/office/drawing/2014/main" id="{146A0A31-C5A3-48D0-AFE6-51F26B38AFA6}"/>
+              </a:ext>
+            </a:extLst>
+          </p:cNvPr>
+          <p:cNvSpPr>
+            <a:spLocks noGrp="1"/>
+          </p:cNvSpPr>
+          <p:nvPr>
+            <p:ph idx="1"/>
+          </p:nvPr>
+        </p:nvSpPr>
+        <p:spPr/>
+        <p:txBody>
+          <a:bodyPr/>
+          <a:lstStyle/>
+          <a:p>
+            <a:r>
+              <a:rPr lang="en-US" dirty="0"/>
+              <a:t>Abstract classes</a:t>
+            </a:r>
+          </a:p>
+          <a:p>
+            <a:r>
+              <a:rPr lang="en-US" dirty="0"/>
+              <a:t>Polymorphism</a:t>
+            </a:r>
+          </a:p>
+          <a:p>
+            <a:r>
+              <a:rPr lang="en-US" dirty="0"/>
+              <a:t>How to check types</a:t>
+            </a:r>
+          </a:p>
+          <a:p>
+            <a:r>
+              <a:rPr lang="en-US" dirty="0"/>
+              <a:t>Object slicing</a:t>
+            </a:r>
+          </a:p>
+        </p:txBody>
+      </p:sp>
+      <p:pic>
+        <p:nvPicPr>
+          <p:cNvPr id="5" name="Picture 4">
+            <a:extLst>
+              <a:ext uri="{FF2B5EF4-FFF2-40B4-BE49-F238E27FC236}">
+                <a16:creationId xmlns:a16="http://schemas.microsoft.com/office/drawing/2014/main" id="{F59C62C5-E485-4D5D-98B2-8C6A8D0B2569}"/>
+              </a:ext>
+            </a:extLst>
+          </p:cNvPr>
+          <p:cNvPicPr>
+            <a:picLocks noChangeAspect="1"/>
+          </p:cNvPicPr>
+          <p:nvPr/>
+        </p:nvPicPr>
+        <p:blipFill>
+          <a:blip r:embed="rId2"/>
+          <a:stretch>
+            <a:fillRect/>
+          </a:stretch>
+        </p:blipFill>
+        <p:spPr>
+          <a:xfrm>
+            <a:off x="5325333" y="-66734"/>
+            <a:ext cx="6866667" cy="5228571"/>
+          </a:xfrm>
+          <a:prstGeom prst="rect">
+            <a:avLst/>
+          </a:prstGeom>
+        </p:spPr>
+      </p:pic>
+    </p:spTree>
+    <p:extLst>
+      <p:ext uri="{BB962C8B-B14F-4D97-AF65-F5344CB8AC3E}">
+        <p14:creationId xmlns:p14="http://schemas.microsoft.com/office/powerpoint/2010/main" val="214437751"/>
+      </p:ext>
+    </p:extLst>
+  </p:cSld>
+  <p:clrMapOvr>
+    <a:masterClrMapping/>
+  </p:clrMapOvr>
+</p:sld>
+</file>
+
+<file path=ppt/slides/slide11.xml><?xml version="1.0" encoding="utf-8"?>
+<p:sld xmlns:a="http://schemas.openxmlformats.org/drawingml/2006/main" xmlns:r="http://schemas.openxmlformats.org/officeDocument/2006/relationships" xmlns:p="http://schemas.openxmlformats.org/presentationml/2006/main">
+  <p:cSld>
+    <p:spTree>
+      <p:nvGrpSpPr>
+        <p:cNvPr id="1" name=""/>
+        <p:cNvGrpSpPr/>
+        <p:nvPr/>
+      </p:nvGrpSpPr>
+      <p:grpSpPr>
+        <a:xfrm>
+          <a:off x="0" y="0"/>
+          <a:ext cx="0" cy="0"/>
+          <a:chOff x="0" y="0"/>
+          <a:chExt cx="0" cy="0"/>
+        </a:xfrm>
+      </p:grpSpPr>
+      <p:sp>
+        <p:nvSpPr>
+          <p:cNvPr id="2" name="Title 1">
+            <a:extLst>
+              <a:ext uri="{FF2B5EF4-FFF2-40B4-BE49-F238E27FC236}">
+                <a16:creationId xmlns:a16="http://schemas.microsoft.com/office/drawing/2014/main" id="{9CD1FBE8-CB9B-4FDD-814B-C34A6EA6DF2B}"/>
+              </a:ext>
+            </a:extLst>
+          </p:cNvPr>
+          <p:cNvSpPr>
+            <a:spLocks noGrp="1"/>
+          </p:cNvSpPr>
+          <p:nvPr>
+            <p:ph type="title"/>
+          </p:nvPr>
+        </p:nvSpPr>
+        <p:spPr/>
+        <p:txBody>
+          <a:bodyPr/>
+          <a:lstStyle/>
+          <a:p>
+            <a:r>
+              <a:rPr lang="en-US" dirty="0"/>
+              <a:t>Classes: Interfaces</a:t>
+            </a:r>
+          </a:p>
+        </p:txBody>
+      </p:sp>
+      <p:sp>
+        <p:nvSpPr>
+          <p:cNvPr id="3" name="Content Placeholder 2">
+            <a:extLst>
+              <a:ext uri="{FF2B5EF4-FFF2-40B4-BE49-F238E27FC236}">
+                <a16:creationId xmlns:a16="http://schemas.microsoft.com/office/drawing/2014/main" id="{0C964076-BEAB-492A-86FC-DA9F6D09B506}"/>
+              </a:ext>
+            </a:extLst>
+          </p:cNvPr>
+          <p:cNvSpPr>
+            <a:spLocks noGrp="1"/>
+          </p:cNvSpPr>
+          <p:nvPr>
+            <p:ph idx="1"/>
+          </p:nvPr>
+        </p:nvSpPr>
+        <p:spPr>
+          <a:xfrm>
+            <a:off x="680322" y="2336873"/>
+            <a:ext cx="7211528" cy="3599316"/>
+          </a:xfrm>
+        </p:spPr>
+        <p:txBody>
+          <a:bodyPr>
+            <a:normAutofit fontScale="85000" lnSpcReduction="20000"/>
+          </a:bodyPr>
+          <a:lstStyle/>
+          <a:p>
+            <a:r>
+              <a:rPr lang="en-US" dirty="0"/>
+              <a:t>Interfaces vs inheritance</a:t>
+            </a:r>
+          </a:p>
+          <a:p>
+            <a:pPr lvl="1"/>
+            <a:r>
+              <a:rPr lang="en-US" dirty="0"/>
+              <a:t>“has a ” relationship vs “is a”</a:t>
+            </a:r>
+          </a:p>
+          <a:p>
+            <a:pPr lvl="1"/>
+            <a:r>
+              <a:rPr lang="en-US" dirty="0"/>
+              <a:t>For specifying the contract/</a:t>
+            </a:r>
+            <a:r>
+              <a:rPr lang="en-US" dirty="0" err="1"/>
+              <a:t>api</a:t>
+            </a:r>
+            <a:r>
+              <a:rPr lang="en-US" dirty="0"/>
+              <a:t>/interface</a:t>
+            </a:r>
+          </a:p>
+          <a:p>
+            <a:pPr lvl="1"/>
+            <a:r>
+              <a:rPr lang="en-US" dirty="0"/>
+              <a:t>You can only inherit from one class, but can use multiple interfaces.</a:t>
+            </a:r>
+          </a:p>
+          <a:p>
+            <a:pPr lvl="1"/>
+            <a:r>
+              <a:rPr lang="en-US" dirty="0"/>
+              <a:t>The class using an interface does not have access to any of the implementation details (variables, implementation of methods). You must override all methods provided by an interface</a:t>
+            </a:r>
+          </a:p>
+          <a:p>
+            <a:r>
+              <a:rPr lang="en-US" dirty="0"/>
+              <a:t>You can use both interfaces and inheritance:</a:t>
+            </a:r>
+          </a:p>
+          <a:p>
+            <a:pPr lvl="1"/>
+            <a:r>
+              <a:rPr lang="en-US" dirty="0"/>
+              <a:t>Class Subclass extends Superclass implements Interface</a:t>
+            </a:r>
+          </a:p>
+          <a:p>
+            <a:r>
+              <a:rPr lang="en-US" dirty="0"/>
+              <a:t>Interfaces in this context vs normal programming</a:t>
+            </a:r>
+          </a:p>
+          <a:p>
+            <a:r>
+              <a:rPr lang="en-US" dirty="0"/>
+              <a:t>Often used to add GUI, data retrieval methods to a class. Also for mocking during testing.</a:t>
+            </a:r>
+          </a:p>
+          <a:p>
+            <a:endParaRPr lang="en-US" dirty="0"/>
+          </a:p>
+        </p:txBody>
+      </p:sp>
+      <p:pic>
+        <p:nvPicPr>
+          <p:cNvPr id="5" name="Picture 4">
+            <a:extLst>
+              <a:ext uri="{FF2B5EF4-FFF2-40B4-BE49-F238E27FC236}">
+                <a16:creationId xmlns:a16="http://schemas.microsoft.com/office/drawing/2014/main" id="{7588BE32-F3B1-46FD-81BF-3BBC3CB0118F}"/>
+              </a:ext>
+            </a:extLst>
+          </p:cNvPr>
+          <p:cNvPicPr>
+            <a:picLocks noChangeAspect="1"/>
+          </p:cNvPicPr>
+          <p:nvPr/>
+        </p:nvPicPr>
+        <p:blipFill>
+          <a:blip r:embed="rId2"/>
+          <a:stretch>
+            <a:fillRect/>
+          </a:stretch>
+        </p:blipFill>
+        <p:spPr>
+          <a:xfrm>
+            <a:off x="7963429" y="0"/>
+            <a:ext cx="4228571" cy="5647619"/>
+          </a:xfrm>
+          <a:prstGeom prst="rect">
+            <a:avLst/>
+          </a:prstGeom>
+        </p:spPr>
+      </p:pic>
+    </p:spTree>
+    <p:extLst>
+      <p:ext uri="{BB962C8B-B14F-4D97-AF65-F5344CB8AC3E}">
+        <p14:creationId xmlns:p14="http://schemas.microsoft.com/office/powerpoint/2010/main" val="4164407216"/>
+      </p:ext>
+    </p:extLst>
+  </p:cSld>
+  <p:clrMapOvr>
+    <a:masterClrMapping/>
+  </p:clrMapOvr>
+</p:sld>
+</file>
+
+<file path=ppt/slides/slide12.xml><?xml version="1.0" encoding="utf-8"?>
+<p:sld xmlns:a="http://schemas.openxmlformats.org/drawingml/2006/main" xmlns:r="http://schemas.openxmlformats.org/officeDocument/2006/relationships" xmlns:p="http://schemas.openxmlformats.org/presentationml/2006/main">
+  <p:cSld>
+    <p:spTree>
+      <p:nvGrpSpPr>
+        <p:cNvPr id="1" name=""/>
+        <p:cNvGrpSpPr/>
+        <p:nvPr/>
+      </p:nvGrpSpPr>
+      <p:grpSpPr>
+        <a:xfrm>
+          <a:off x="0" y="0"/>
+          <a:ext cx="0" cy="0"/>
+          <a:chOff x="0" y="0"/>
+          <a:chExt cx="0" cy="0"/>
+        </a:xfrm>
+      </p:grpSpPr>
+      <p:sp>
+        <p:nvSpPr>
+          <p:cNvPr id="2" name="Title 1">
+            <a:extLst>
+              <a:ext uri="{FF2B5EF4-FFF2-40B4-BE49-F238E27FC236}">
+                <a16:creationId xmlns:a16="http://schemas.microsoft.com/office/drawing/2014/main" id="{E11D6A52-0C19-426A-A2CE-4D7C0A1281B3}"/>
+              </a:ext>
+            </a:extLst>
+          </p:cNvPr>
+          <p:cNvSpPr>
+            <a:spLocks noGrp="1"/>
+          </p:cNvSpPr>
+          <p:nvPr>
+            <p:ph type="title"/>
+          </p:nvPr>
+        </p:nvSpPr>
+        <p:spPr/>
+        <p:txBody>
+          <a:bodyPr/>
+          <a:lstStyle/>
+          <a:p>
+            <a:r>
+              <a:rPr lang="en-US" dirty="0"/>
+              <a:t>Classes: </a:t>
+            </a:r>
+            <a:r>
+              <a:rPr lang="en-US" dirty="0" err="1"/>
+              <a:t>Mixins</a:t>
+            </a:r>
+            <a:endParaRPr lang="en-US" dirty="0"/>
+          </a:p>
+        </p:txBody>
+      </p:sp>
+      <p:sp>
+        <p:nvSpPr>
+          <p:cNvPr id="3" name="Content Placeholder 2">
+            <a:extLst>
+              <a:ext uri="{FF2B5EF4-FFF2-40B4-BE49-F238E27FC236}">
+                <a16:creationId xmlns:a16="http://schemas.microsoft.com/office/drawing/2014/main" id="{73A1B8D3-E5A0-4C24-8C22-F41E008FBB4C}"/>
+              </a:ext>
+            </a:extLst>
+          </p:cNvPr>
+          <p:cNvSpPr>
+            <a:spLocks noGrp="1"/>
+          </p:cNvSpPr>
+          <p:nvPr>
+            <p:ph idx="1"/>
+          </p:nvPr>
+        </p:nvSpPr>
+        <p:spPr>
+          <a:xfrm>
+            <a:off x="680321" y="2336873"/>
+            <a:ext cx="6435489" cy="3599316"/>
+          </a:xfrm>
+        </p:spPr>
+        <p:txBody>
+          <a:bodyPr/>
+          <a:lstStyle/>
+          <a:p>
+            <a:r>
+              <a:rPr lang="en-US" dirty="0"/>
+              <a:t>Difference between </a:t>
+            </a:r>
+            <a:r>
+              <a:rPr lang="en-US" dirty="0" err="1"/>
+              <a:t>mixins</a:t>
+            </a:r>
+            <a:r>
+              <a:rPr lang="en-US" dirty="0"/>
+              <a:t> and interfaces</a:t>
+            </a:r>
+          </a:p>
+          <a:p>
+            <a:pPr lvl="1"/>
+            <a:r>
+              <a:rPr lang="en-US" dirty="0"/>
+              <a:t>No need to overwrite </a:t>
+            </a:r>
+            <a:r>
+              <a:rPr lang="en-US" dirty="0" err="1"/>
+              <a:t>mixin</a:t>
+            </a:r>
+            <a:r>
+              <a:rPr lang="en-US" dirty="0"/>
+              <a:t> methods</a:t>
+            </a:r>
+          </a:p>
+          <a:p>
+            <a:pPr lvl="1"/>
+            <a:r>
+              <a:rPr lang="en-US" dirty="0" err="1"/>
+              <a:t>Mixins</a:t>
+            </a:r>
+            <a:r>
+              <a:rPr lang="en-US" dirty="0"/>
+              <a:t> are for sharing implementations and code reuse, while interfaces are for specifying the contract/</a:t>
+            </a:r>
+            <a:r>
+              <a:rPr lang="en-US" dirty="0" err="1"/>
+              <a:t>api</a:t>
+            </a:r>
+            <a:endParaRPr lang="en-US" dirty="0"/>
+          </a:p>
+          <a:p>
+            <a:pPr lvl="1"/>
+            <a:endParaRPr lang="en-US" dirty="0"/>
+          </a:p>
+          <a:p>
+            <a:pPr lvl="1"/>
+            <a:endParaRPr lang="en-US" dirty="0"/>
+          </a:p>
+        </p:txBody>
+      </p:sp>
+      <p:pic>
+        <p:nvPicPr>
+          <p:cNvPr id="11" name="Picture 10">
+            <a:extLst>
+              <a:ext uri="{FF2B5EF4-FFF2-40B4-BE49-F238E27FC236}">
+                <a16:creationId xmlns:a16="http://schemas.microsoft.com/office/drawing/2014/main" id="{A67B5FF4-7451-47E7-AFAC-A1297C69FB8A}"/>
+              </a:ext>
+            </a:extLst>
+          </p:cNvPr>
+          <p:cNvPicPr>
+            <a:picLocks noChangeAspect="1"/>
+          </p:cNvPicPr>
+          <p:nvPr/>
+        </p:nvPicPr>
+        <p:blipFill>
+          <a:blip r:embed="rId2"/>
+          <a:stretch>
+            <a:fillRect/>
+          </a:stretch>
+        </p:blipFill>
+        <p:spPr>
+          <a:xfrm>
+            <a:off x="7039619" y="0"/>
+            <a:ext cx="5152381" cy="4800000"/>
+          </a:xfrm>
+          <a:prstGeom prst="rect">
+            <a:avLst/>
+          </a:prstGeom>
+        </p:spPr>
+      </p:pic>
+      <p:pic>
+        <p:nvPicPr>
+          <p:cNvPr id="13" name="Picture 12">
+            <a:extLst>
+              <a:ext uri="{FF2B5EF4-FFF2-40B4-BE49-F238E27FC236}">
+                <a16:creationId xmlns:a16="http://schemas.microsoft.com/office/drawing/2014/main" id="{72FA285D-3C86-47F9-B6B7-F478E7C72229}"/>
+              </a:ext>
+            </a:extLst>
+          </p:cNvPr>
+          <p:cNvPicPr>
+            <a:picLocks noChangeAspect="1"/>
+          </p:cNvPicPr>
+          <p:nvPr/>
+        </p:nvPicPr>
+        <p:blipFill>
+          <a:blip r:embed="rId3"/>
+          <a:stretch>
+            <a:fillRect/>
+          </a:stretch>
+        </p:blipFill>
+        <p:spPr>
+          <a:xfrm>
+            <a:off x="7039619" y="4930535"/>
+            <a:ext cx="4238095" cy="1352381"/>
+          </a:xfrm>
+          <a:prstGeom prst="rect">
+            <a:avLst/>
+          </a:prstGeom>
+        </p:spPr>
+      </p:pic>
+    </p:spTree>
+    <p:extLst>
+      <p:ext uri="{BB962C8B-B14F-4D97-AF65-F5344CB8AC3E}">
+        <p14:creationId xmlns:p14="http://schemas.microsoft.com/office/powerpoint/2010/main" val="2272071776"/>
+      </p:ext>
+    </p:extLst>
+  </p:cSld>
+  <p:clrMapOvr>
+    <a:masterClrMapping/>
+  </p:clrMapOvr>
+</p:sld>
+</file>
+
+<file path=ppt/slides/slide13.xml><?xml version="1.0" encoding="utf-8"?>
+<p:sld xmlns:a="http://schemas.openxmlformats.org/drawingml/2006/main" xmlns:r="http://schemas.openxmlformats.org/officeDocument/2006/relationships" xmlns:p="http://schemas.openxmlformats.org/presentationml/2006/main">
+  <p:cSld>
+    <p:spTree>
+      <p:nvGrpSpPr>
+        <p:cNvPr id="1" name=""/>
+        <p:cNvGrpSpPr/>
+        <p:nvPr/>
+      </p:nvGrpSpPr>
+      <p:grpSpPr>
+        <a:xfrm>
+          <a:off x="0" y="0"/>
+          <a:ext cx="0" cy="0"/>
+          <a:chOff x="0" y="0"/>
+          <a:chExt cx="0" cy="0"/>
+        </a:xfrm>
+      </p:grpSpPr>
+      <p:sp>
+        <p:nvSpPr>
+          <p:cNvPr id="2" name="Title 1">
+            <a:extLst>
+              <a:ext uri="{FF2B5EF4-FFF2-40B4-BE49-F238E27FC236}">
+                <a16:creationId xmlns:a16="http://schemas.microsoft.com/office/drawing/2014/main" id="{DB07C347-A311-4A6F-83F8-D06A937BD60F}"/>
+              </a:ext>
+            </a:extLst>
+          </p:cNvPr>
+          <p:cNvSpPr>
+            <a:spLocks noGrp="1"/>
+          </p:cNvSpPr>
+          <p:nvPr>
+            <p:ph type="title"/>
+          </p:nvPr>
+        </p:nvSpPr>
+        <p:spPr/>
+        <p:txBody>
+          <a:bodyPr/>
+          <a:lstStyle/>
+          <a:p>
+            <a:r>
+              <a:rPr lang="en-US" dirty="0"/>
+              <a:t>Classes: extensions</a:t>
+            </a:r>
+          </a:p>
+        </p:txBody>
+      </p:sp>
+      <p:sp>
+        <p:nvSpPr>
+          <p:cNvPr id="3" name="Content Placeholder 2">
+            <a:extLst>
+              <a:ext uri="{FF2B5EF4-FFF2-40B4-BE49-F238E27FC236}">
+                <a16:creationId xmlns:a16="http://schemas.microsoft.com/office/drawing/2014/main" id="{3571A3DC-F9B2-44B6-B614-2BC64C102E90}"/>
+              </a:ext>
+            </a:extLst>
+          </p:cNvPr>
+          <p:cNvSpPr>
+            <a:spLocks noGrp="1"/>
+          </p:cNvSpPr>
+          <p:nvPr>
+            <p:ph idx="1"/>
+          </p:nvPr>
+        </p:nvSpPr>
+        <p:spPr>
+          <a:xfrm>
+            <a:off x="680321" y="2336873"/>
+            <a:ext cx="7553149" cy="3599316"/>
+          </a:xfrm>
+        </p:spPr>
+        <p:txBody>
+          <a:bodyPr/>
+          <a:lstStyle/>
+          <a:p>
+            <a:r>
+              <a:rPr lang="en-US" dirty="0"/>
+              <a:t>For adding new functionality to existing classes without creating new classes</a:t>
+            </a:r>
+          </a:p>
+          <a:p>
+            <a:r>
+              <a:rPr lang="en-US" dirty="0"/>
+              <a:t>Without them, you create wrappers around them</a:t>
+            </a:r>
+          </a:p>
+          <a:p>
+            <a:r>
+              <a:rPr lang="en-US" dirty="0"/>
+              <a:t>Used for classes from libraries, classes you did not create yourself.</a:t>
+            </a:r>
+          </a:p>
+        </p:txBody>
+      </p:sp>
+      <p:pic>
+        <p:nvPicPr>
+          <p:cNvPr id="7" name="Picture 6">
+            <a:extLst>
+              <a:ext uri="{FF2B5EF4-FFF2-40B4-BE49-F238E27FC236}">
+                <a16:creationId xmlns:a16="http://schemas.microsoft.com/office/drawing/2014/main" id="{966308EA-EF94-4A9F-A56B-02AD9607703E}"/>
+              </a:ext>
+            </a:extLst>
+          </p:cNvPr>
+          <p:cNvPicPr>
+            <a:picLocks noChangeAspect="1"/>
+          </p:cNvPicPr>
+          <p:nvPr/>
+        </p:nvPicPr>
+        <p:blipFill>
+          <a:blip r:embed="rId2"/>
+          <a:stretch>
+            <a:fillRect/>
+          </a:stretch>
+        </p:blipFill>
+        <p:spPr>
+          <a:xfrm>
+            <a:off x="8233470" y="4136531"/>
+            <a:ext cx="1866667" cy="1000000"/>
+          </a:xfrm>
+          <a:prstGeom prst="rect">
+            <a:avLst/>
+          </a:prstGeom>
+        </p:spPr>
+      </p:pic>
+      <p:pic>
+        <p:nvPicPr>
+          <p:cNvPr id="11" name="Picture 10">
+            <a:extLst>
+              <a:ext uri="{FF2B5EF4-FFF2-40B4-BE49-F238E27FC236}">
+                <a16:creationId xmlns:a16="http://schemas.microsoft.com/office/drawing/2014/main" id="{22427F39-3BA1-42CF-98F0-74B7CC160E88}"/>
+              </a:ext>
+            </a:extLst>
+          </p:cNvPr>
+          <p:cNvPicPr>
+            <a:picLocks noChangeAspect="1"/>
+          </p:cNvPicPr>
+          <p:nvPr/>
+        </p:nvPicPr>
+        <p:blipFill>
+          <a:blip r:embed="rId3"/>
+          <a:stretch>
+            <a:fillRect/>
+          </a:stretch>
+        </p:blipFill>
+        <p:spPr>
+          <a:xfrm>
+            <a:off x="8161137" y="1953802"/>
+            <a:ext cx="2295238" cy="1971429"/>
+          </a:xfrm>
+          <a:prstGeom prst="rect">
+            <a:avLst/>
+          </a:prstGeom>
+        </p:spPr>
+      </p:pic>
+    </p:spTree>
+    <p:extLst>
+      <p:ext uri="{BB962C8B-B14F-4D97-AF65-F5344CB8AC3E}">
+        <p14:creationId xmlns:p14="http://schemas.microsoft.com/office/powerpoint/2010/main" val="436435605"/>
+      </p:ext>
+    </p:extLst>
+  </p:cSld>
+  <p:clrMapOvr>
+    <a:masterClrMapping/>
+  </p:clrMapOvr>
+</p:sld>
+</file>
+
+<file path=ppt/slides/slide14.xml><?xml version="1.0" encoding="utf-8"?>
+<p:sld xmlns:a="http://schemas.openxmlformats.org/drawingml/2006/main" xmlns:r="http://schemas.openxmlformats.org/officeDocument/2006/relationships" xmlns:p="http://schemas.openxmlformats.org/presentationml/2006/main">
+  <p:cSld>
+    <p:spTree>
+      <p:nvGrpSpPr>
+        <p:cNvPr id="1" name=""/>
+        <p:cNvGrpSpPr/>
+        <p:nvPr/>
+      </p:nvGrpSpPr>
+      <p:grpSpPr>
+        <a:xfrm>
+          <a:off x="0" y="0"/>
+          <a:ext cx="0" cy="0"/>
+          <a:chOff x="0" y="0"/>
+          <a:chExt cx="0" cy="0"/>
+        </a:xfrm>
+      </p:grpSpPr>
+      <p:sp>
+        <p:nvSpPr>
+          <p:cNvPr id="2" name="Title 1">
+            <a:extLst>
+              <a:ext uri="{FF2B5EF4-FFF2-40B4-BE49-F238E27FC236}">
+                <a16:creationId xmlns:a16="http://schemas.microsoft.com/office/drawing/2014/main" id="{6EA7066A-8E37-41BD-B577-3ABD728B0EAE}"/>
+              </a:ext>
+            </a:extLst>
+          </p:cNvPr>
+          <p:cNvSpPr>
+            <a:spLocks noGrp="1"/>
+          </p:cNvSpPr>
+          <p:nvPr>
+            <p:ph type="title"/>
+          </p:nvPr>
+        </p:nvSpPr>
+        <p:spPr/>
+        <p:txBody>
+          <a:bodyPr/>
+          <a:lstStyle/>
+          <a:p>
+            <a:r>
+              <a:rPr lang="en-US" dirty="0"/>
+              <a:t>comparison</a:t>
+            </a:r>
+          </a:p>
+        </p:txBody>
+      </p:sp>
+      <p:graphicFrame>
+        <p:nvGraphicFramePr>
+          <p:cNvPr id="4" name="Table 4">
+            <a:extLst>
+              <a:ext uri="{FF2B5EF4-FFF2-40B4-BE49-F238E27FC236}">
+                <a16:creationId xmlns:a16="http://schemas.microsoft.com/office/drawing/2014/main" id="{10912FDA-C28A-4045-BAD6-7EEE07D3CAFF}"/>
+              </a:ext>
+            </a:extLst>
+          </p:cNvPr>
+          <p:cNvGraphicFramePr>
+            <a:graphicFrameLocks noGrp="1"/>
+          </p:cNvGraphicFramePr>
+          <p:nvPr>
+            <p:ph idx="1"/>
+            <p:extLst>
+              <p:ext uri="{D42A27DB-BD31-4B8C-83A1-F6EECF244321}">
+                <p14:modId xmlns:p14="http://schemas.microsoft.com/office/powerpoint/2010/main" val="3133657211"/>
+              </p:ext>
+            </p:extLst>
+          </p:nvPr>
+        </p:nvGraphicFramePr>
+        <p:xfrm>
+          <a:off x="277383" y="2377989"/>
+          <a:ext cx="11247351" cy="2392680"/>
+        </p:xfrm>
+        <a:graphic>
+          <a:graphicData uri="http://schemas.openxmlformats.org/drawingml/2006/table">
+            <a:tbl>
+              <a:tblPr firstRow="1" bandRow="1">
+                <a:tableStyleId>{5C22544A-7EE6-4342-B048-85BDC9FD1C3A}</a:tableStyleId>
+              </a:tblPr>
+              <a:tblGrid>
+                <a:gridCol w="2565611">
+                  <a:extLst>
+                    <a:ext uri="{9D8B030D-6E8A-4147-A177-3AD203B41FA5}">
+                      <a16:colId xmlns:a16="http://schemas.microsoft.com/office/drawing/2014/main" val="3918074362"/>
+                    </a:ext>
+                  </a:extLst>
+                </a:gridCol>
+                <a:gridCol w="1664520">
+                  <a:extLst>
+                    <a:ext uri="{9D8B030D-6E8A-4147-A177-3AD203B41FA5}">
+                      <a16:colId xmlns:a16="http://schemas.microsoft.com/office/drawing/2014/main" val="1489407890"/>
+                    </a:ext>
+                  </a:extLst>
+                </a:gridCol>
+                <a:gridCol w="2747972">
+                  <a:extLst>
+                    <a:ext uri="{9D8B030D-6E8A-4147-A177-3AD203B41FA5}">
+                      <a16:colId xmlns:a16="http://schemas.microsoft.com/office/drawing/2014/main" val="2683342374"/>
+                    </a:ext>
+                  </a:extLst>
+                </a:gridCol>
+                <a:gridCol w="4269248">
+                  <a:extLst>
+                    <a:ext uri="{9D8B030D-6E8A-4147-A177-3AD203B41FA5}">
+                      <a16:colId xmlns:a16="http://schemas.microsoft.com/office/drawing/2014/main" val="963476417"/>
+                    </a:ext>
+                  </a:extLst>
+                </a:gridCol>
+              </a:tblGrid>
+              <a:tr h="370840">
+                <a:tc>
+                  <a:txBody>
+                    <a:bodyPr/>
+                    <a:lstStyle/>
+                    <a:p>
+                      <a:endParaRPr lang="en-US" dirty="0"/>
+                    </a:p>
+                  </a:txBody>
+                  <a:tcPr/>
+                </a:tc>
+                <a:tc>
+                  <a:txBody>
+                    <a:bodyPr/>
+                    <a:lstStyle/>
+                    <a:p>
+                      <a:r>
+                        <a:rPr lang="en-US" dirty="0"/>
+                        <a:t>multiple</a:t>
+                      </a:r>
+                    </a:p>
+                  </a:txBody>
+                  <a:tcPr/>
+                </a:tc>
+                <a:tc>
+                  <a:txBody>
+                    <a:bodyPr/>
+                    <a:lstStyle/>
+                    <a:p>
+                      <a:r>
+                        <a:rPr lang="en-US" dirty="0"/>
+                        <a:t>need to overwrite</a:t>
+                      </a:r>
+                    </a:p>
+                  </a:txBody>
+                  <a:tcPr/>
+                </a:tc>
+                <a:tc>
+                  <a:txBody>
+                    <a:bodyPr/>
+                    <a:lstStyle/>
+                    <a:p>
+                      <a:r>
+                        <a:rPr lang="en-US" dirty="0"/>
+                        <a:t>Purpose</a:t>
+                      </a:r>
+                    </a:p>
+                  </a:txBody>
+                  <a:tcPr/>
+                </a:tc>
+                <a:extLst>
+                  <a:ext uri="{0D108BD9-81ED-4DB2-BD59-A6C34878D82A}">
+                    <a16:rowId xmlns:a16="http://schemas.microsoft.com/office/drawing/2014/main" val="172400523"/>
+                  </a:ext>
+                </a:extLst>
+              </a:tr>
+              <a:tr h="370840">
+                <a:tc>
+                  <a:txBody>
+                    <a:bodyPr/>
+                    <a:lstStyle/>
+                    <a:p>
+                      <a:r>
+                        <a:rPr lang="en-US" dirty="0"/>
+                        <a:t>Inheritance</a:t>
+                      </a:r>
+                    </a:p>
+                  </a:txBody>
+                  <a:tcPr/>
+                </a:tc>
+                <a:tc>
+                  <a:txBody>
+                    <a:bodyPr/>
+                    <a:lstStyle/>
+                    <a:p>
+                      <a:r>
+                        <a:rPr lang="en-US" dirty="0"/>
+                        <a:t>No</a:t>
+                      </a:r>
+                    </a:p>
+                  </a:txBody>
+                  <a:tcPr/>
+                </a:tc>
+                <a:tc>
+                  <a:txBody>
+                    <a:bodyPr/>
+                    <a:lstStyle/>
+                    <a:p>
+                      <a:r>
+                        <a:rPr lang="en-US" dirty="0"/>
+                        <a:t>No, only when desired</a:t>
+                      </a:r>
+                    </a:p>
+                  </a:txBody>
+                  <a:tcPr/>
+                </a:tc>
+                <a:tc>
+                  <a:txBody>
+                    <a:bodyPr/>
+                    <a:lstStyle/>
+                    <a:p>
+                      <a:r>
+                        <a:rPr lang="en-US" dirty="0"/>
+                        <a:t>Contract specification, abstraction, DRY</a:t>
+                      </a:r>
+                    </a:p>
+                  </a:txBody>
+                  <a:tcPr/>
+                </a:tc>
+                <a:extLst>
+                  <a:ext uri="{0D108BD9-81ED-4DB2-BD59-A6C34878D82A}">
+                    <a16:rowId xmlns:a16="http://schemas.microsoft.com/office/drawing/2014/main" val="2894576607"/>
+                  </a:ext>
+                </a:extLst>
+              </a:tr>
+              <a:tr h="370840">
+                <a:tc>
+                  <a:txBody>
+                    <a:bodyPr/>
+                    <a:lstStyle/>
+                    <a:p>
+                      <a:r>
+                        <a:rPr lang="en-US" dirty="0"/>
+                        <a:t>Interface</a:t>
+                      </a:r>
+                    </a:p>
+                  </a:txBody>
+                  <a:tcPr/>
+                </a:tc>
+                <a:tc>
+                  <a:txBody>
+                    <a:bodyPr/>
+                    <a:lstStyle/>
+                    <a:p>
+                      <a:r>
+                        <a:rPr lang="en-US" dirty="0"/>
+                        <a:t>Yes</a:t>
+                      </a:r>
+                    </a:p>
+                  </a:txBody>
+                  <a:tcPr/>
+                </a:tc>
+                <a:tc>
+                  <a:txBody>
+                    <a:bodyPr/>
+                    <a:lstStyle/>
+                    <a:p>
+                      <a:r>
+                        <a:rPr lang="en-US" dirty="0"/>
+                        <a:t>Yes</a:t>
+                      </a:r>
+                    </a:p>
+                  </a:txBody>
+                  <a:tcPr/>
+                </a:tc>
+                <a:tc>
+                  <a:txBody>
+                    <a:bodyPr/>
+                    <a:lstStyle/>
+                    <a:p>
+                      <a:r>
+                        <a:rPr lang="en-US" dirty="0"/>
+                        <a:t>Specifying the contract/interface</a:t>
+                      </a:r>
+                    </a:p>
+                  </a:txBody>
+                  <a:tcPr/>
+                </a:tc>
+                <a:extLst>
+                  <a:ext uri="{0D108BD9-81ED-4DB2-BD59-A6C34878D82A}">
+                    <a16:rowId xmlns:a16="http://schemas.microsoft.com/office/drawing/2014/main" val="845528135"/>
+                  </a:ext>
+                </a:extLst>
+              </a:tr>
+              <a:tr h="370840">
+                <a:tc>
+                  <a:txBody>
+                    <a:bodyPr/>
+                    <a:lstStyle/>
+                    <a:p>
+                      <a:r>
+                        <a:rPr lang="en-US" dirty="0" err="1"/>
+                        <a:t>Mixin</a:t>
+                      </a:r>
+                      <a:endParaRPr lang="en-US" dirty="0"/>
+                    </a:p>
+                  </a:txBody>
+                  <a:tcPr/>
+                </a:tc>
+                <a:tc>
+                  <a:txBody>
+                    <a:bodyPr/>
+                    <a:lstStyle/>
+                    <a:p>
+                      <a:r>
+                        <a:rPr lang="en-US" dirty="0"/>
+                        <a:t>Yes</a:t>
+                      </a:r>
+                    </a:p>
+                  </a:txBody>
+                  <a:tcPr/>
+                </a:tc>
+                <a:tc>
+                  <a:txBody>
+                    <a:bodyPr/>
+                    <a:lstStyle/>
+                    <a:p>
+                      <a:r>
+                        <a:rPr lang="en-US" dirty="0"/>
+                        <a:t>No, only when desired</a:t>
+                      </a:r>
+                    </a:p>
+                  </a:txBody>
+                  <a:tcPr/>
+                </a:tc>
+                <a:tc>
+                  <a:txBody>
+                    <a:bodyPr/>
+                    <a:lstStyle/>
+                    <a:p>
+                      <a:r>
+                        <a:rPr lang="en-US" dirty="0"/>
+                        <a:t>DRY</a:t>
+                      </a:r>
+                    </a:p>
+                  </a:txBody>
+                  <a:tcPr/>
+                </a:tc>
+                <a:extLst>
+                  <a:ext uri="{0D108BD9-81ED-4DB2-BD59-A6C34878D82A}">
+                    <a16:rowId xmlns:a16="http://schemas.microsoft.com/office/drawing/2014/main" val="590097616"/>
+                  </a:ext>
+                </a:extLst>
+              </a:tr>
+              <a:tr h="370840">
+                <a:tc>
+                  <a:txBody>
+                    <a:bodyPr/>
+                    <a:lstStyle/>
+                    <a:p>
+                      <a:r>
+                        <a:rPr lang="en-US" dirty="0"/>
+                        <a:t>extension</a:t>
+                      </a:r>
+                    </a:p>
+                  </a:txBody>
+                  <a:tcPr/>
+                </a:tc>
+                <a:tc>
+                  <a:txBody>
+                    <a:bodyPr/>
+                    <a:lstStyle/>
+                    <a:p>
+                      <a:r>
+                        <a:rPr lang="en-US" dirty="0"/>
+                        <a:t>Yes, but don’t</a:t>
+                      </a:r>
+                    </a:p>
+                  </a:txBody>
+                  <a:tcPr/>
+                </a:tc>
+                <a:tc>
+                  <a:txBody>
+                    <a:bodyPr/>
+                    <a:lstStyle/>
+                    <a:p>
+                      <a:r>
+                        <a:rPr lang="en-US" dirty="0"/>
+                        <a:t>No. You can, but don’t</a:t>
+                      </a:r>
+                    </a:p>
+                  </a:txBody>
+                  <a:tcPr/>
+                </a:tc>
+                <a:tc>
+                  <a:txBody>
+                    <a:bodyPr/>
+                    <a:lstStyle/>
+                    <a:p>
+                      <a:r>
+                        <a:rPr lang="en-US" dirty="0" err="1"/>
+                        <a:t>Addding</a:t>
+                      </a:r>
+                      <a:r>
+                        <a:rPr lang="en-US" dirty="0"/>
+                        <a:t> functionality without creating new classes</a:t>
+                      </a:r>
+                    </a:p>
+                  </a:txBody>
+                  <a:tcPr/>
+                </a:tc>
+                <a:extLst>
+                  <a:ext uri="{0D108BD9-81ED-4DB2-BD59-A6C34878D82A}">
+                    <a16:rowId xmlns:a16="http://schemas.microsoft.com/office/drawing/2014/main" val="2884389925"/>
+                  </a:ext>
+                </a:extLst>
+              </a:tr>
+            </a:tbl>
+          </a:graphicData>
+        </a:graphic>
+      </p:graphicFrame>
+    </p:spTree>
+    <p:extLst>
+      <p:ext uri="{BB962C8B-B14F-4D97-AF65-F5344CB8AC3E}">
+        <p14:creationId xmlns:p14="http://schemas.microsoft.com/office/powerpoint/2010/main" val="1372445352"/>
       </p:ext>
     </p:extLst>
   </p:cSld>
@@ -15629,7 +16742,12 @@
             <p:ph type="title"/>
           </p:nvPr>
         </p:nvSpPr>
-        <p:spPr/>
+        <p:spPr>
+          <a:xfrm>
+            <a:off x="700216" y="753228"/>
+            <a:ext cx="9593966" cy="1080938"/>
+          </a:xfrm>
+        </p:spPr>
         <p:txBody>
           <a:bodyPr/>
           <a:lstStyle/>
@@ -16657,6 +17775,150 @@
     <p:extLst>
       <p:ext uri="{BB962C8B-B14F-4D97-AF65-F5344CB8AC3E}">
         <p14:creationId xmlns:p14="http://schemas.microsoft.com/office/powerpoint/2010/main" val="177298313"/>
+      </p:ext>
+    </p:extLst>
+  </p:cSld>
+  <p:clrMapOvr>
+    <a:masterClrMapping/>
+  </p:clrMapOvr>
+</p:sld>
+</file>
+
+<file path=ppt/slides/slide9.xml><?xml version="1.0" encoding="utf-8"?>
+<p:sld xmlns:a="http://schemas.openxmlformats.org/drawingml/2006/main" xmlns:r="http://schemas.openxmlformats.org/officeDocument/2006/relationships" xmlns:p="http://schemas.openxmlformats.org/presentationml/2006/main">
+  <p:cSld>
+    <p:spTree>
+      <p:nvGrpSpPr>
+        <p:cNvPr id="1" name=""/>
+        <p:cNvGrpSpPr/>
+        <p:nvPr/>
+      </p:nvGrpSpPr>
+      <p:grpSpPr>
+        <a:xfrm>
+          <a:off x="0" y="0"/>
+          <a:ext cx="0" cy="0"/>
+          <a:chOff x="0" y="0"/>
+          <a:chExt cx="0" cy="0"/>
+        </a:xfrm>
+      </p:grpSpPr>
+      <p:sp>
+        <p:nvSpPr>
+          <p:cNvPr id="2" name="Title 1">
+            <a:extLst>
+              <a:ext uri="{FF2B5EF4-FFF2-40B4-BE49-F238E27FC236}">
+                <a16:creationId xmlns:a16="http://schemas.microsoft.com/office/drawing/2014/main" id="{C9A60866-D6E4-425F-BEF4-F2809639BD8B}"/>
+              </a:ext>
+            </a:extLst>
+          </p:cNvPr>
+          <p:cNvSpPr>
+            <a:spLocks noGrp="1"/>
+          </p:cNvSpPr>
+          <p:nvPr>
+            <p:ph type="title"/>
+          </p:nvPr>
+        </p:nvSpPr>
+        <p:spPr/>
+        <p:txBody>
+          <a:bodyPr/>
+          <a:lstStyle/>
+          <a:p>
+            <a:r>
+              <a:rPr lang="en-US" dirty="0"/>
+              <a:t>Classes: Inheritance</a:t>
+            </a:r>
+          </a:p>
+        </p:txBody>
+      </p:sp>
+      <p:sp>
+        <p:nvSpPr>
+          <p:cNvPr id="3" name="Content Placeholder 2">
+            <a:extLst>
+              <a:ext uri="{FF2B5EF4-FFF2-40B4-BE49-F238E27FC236}">
+                <a16:creationId xmlns:a16="http://schemas.microsoft.com/office/drawing/2014/main" id="{F9903D3E-20BE-470C-8649-1047B8C5905C}"/>
+              </a:ext>
+            </a:extLst>
+          </p:cNvPr>
+          <p:cNvSpPr>
+            <a:spLocks noGrp="1"/>
+          </p:cNvSpPr>
+          <p:nvPr>
+            <p:ph idx="1"/>
+          </p:nvPr>
+        </p:nvSpPr>
+        <p:spPr/>
+        <p:txBody>
+          <a:bodyPr/>
+          <a:lstStyle/>
+          <a:p>
+            <a:r>
+              <a:rPr lang="en-US" dirty="0"/>
+              <a:t>Inheritance</a:t>
+            </a:r>
+          </a:p>
+          <a:p>
+            <a:r>
+              <a:rPr lang="en-US" dirty="0"/>
+              <a:t>Override</a:t>
+            </a:r>
+          </a:p>
+          <a:p>
+            <a:r>
+              <a:rPr lang="en-US" dirty="0" err="1"/>
+              <a:t>Superclasses</a:t>
+            </a:r>
+            <a:r>
+              <a:rPr lang="en-US" dirty="0"/>
+              <a:t> and subclasses</a:t>
+            </a:r>
+          </a:p>
+          <a:p>
+            <a:r>
+              <a:rPr lang="en-US" dirty="0"/>
+              <a:t>Super()</a:t>
+            </a:r>
+          </a:p>
+          <a:p>
+            <a:r>
+              <a:rPr lang="en-US" dirty="0"/>
+              <a:t>Abstract classes</a:t>
+            </a:r>
+          </a:p>
+        </p:txBody>
+      </p:sp>
+      <p:pic>
+        <p:nvPicPr>
+          <p:cNvPr id="7" name="Picture 6">
+            <a:extLst>
+              <a:ext uri="{FF2B5EF4-FFF2-40B4-BE49-F238E27FC236}">
+                <a16:creationId xmlns:a16="http://schemas.microsoft.com/office/drawing/2014/main" id="{FA711996-CAB2-4D77-BBA5-A2BA68BA11FD}"/>
+              </a:ext>
+            </a:extLst>
+          </p:cNvPr>
+          <p:cNvPicPr>
+            <a:picLocks noChangeAspect="1"/>
+          </p:cNvPicPr>
+          <p:nvPr/>
+        </p:nvPicPr>
+        <p:blipFill>
+          <a:blip r:embed="rId2"/>
+          <a:stretch>
+            <a:fillRect/>
+          </a:stretch>
+        </p:blipFill>
+        <p:spPr>
+          <a:xfrm>
+            <a:off x="6353905" y="2058000"/>
+            <a:ext cx="5838095" cy="4800000"/>
+          </a:xfrm>
+          <a:prstGeom prst="rect">
+            <a:avLst/>
+          </a:prstGeom>
+        </p:spPr>
+      </p:pic>
+    </p:spTree>
+    <p:extLst>
+      <p:ext uri="{BB962C8B-B14F-4D97-AF65-F5344CB8AC3E}">
+        <p14:creationId xmlns:p14="http://schemas.microsoft.com/office/powerpoint/2010/main" val="1117417568"/>
       </p:ext>
     </p:extLst>
   </p:cSld>

--- a/week3/week3_slideshow.pptx
+++ b/week3/week3_slideshow.pptx
@@ -5,6 +5,9 @@
     <p:sldMasterId id="2147483788" r:id="rId1"/>
     <p:sldMasterId id="2147483806" r:id="rId2"/>
   </p:sldMasterIdLst>
+  <p:notesMasterIdLst>
+    <p:notesMasterId r:id="rId20"/>
+  </p:notesMasterIdLst>
   <p:sldIdLst>
     <p:sldId id="256" r:id="rId3"/>
     <p:sldId id="266" r:id="rId4"/>
@@ -20,6 +23,9 @@
     <p:sldId id="296" r:id="rId14"/>
     <p:sldId id="297" r:id="rId15"/>
     <p:sldId id="298" r:id="rId16"/>
+    <p:sldId id="299" r:id="rId17"/>
+    <p:sldId id="300" r:id="rId18"/>
+    <p:sldId id="301" r:id="rId19"/>
   </p:sldIdLst>
   <p:sldSz cx="12192000" cy="6858000"/>
   <p:notesSz cx="6858000" cy="9144000"/>
@@ -126,6 +132,658 @@
 </p:presentation>
 </file>
 
+<file path=ppt/notesMasters/notesMaster1.xml><?xml version="1.0" encoding="utf-8"?>
+<p:notesMaster xmlns:a="http://schemas.openxmlformats.org/drawingml/2006/main" xmlns:r="http://schemas.openxmlformats.org/officeDocument/2006/relationships" xmlns:p="http://schemas.openxmlformats.org/presentationml/2006/main">
+  <p:cSld>
+    <p:bg>
+      <p:bgRef idx="1001">
+        <a:schemeClr val="bg1"/>
+      </p:bgRef>
+    </p:bg>
+    <p:spTree>
+      <p:nvGrpSpPr>
+        <p:cNvPr id="1" name=""/>
+        <p:cNvGrpSpPr/>
+        <p:nvPr/>
+      </p:nvGrpSpPr>
+      <p:grpSpPr>
+        <a:xfrm>
+          <a:off x="0" y="0"/>
+          <a:ext cx="0" cy="0"/>
+          <a:chOff x="0" y="0"/>
+          <a:chExt cx="0" cy="0"/>
+        </a:xfrm>
+      </p:grpSpPr>
+      <p:sp>
+        <p:nvSpPr>
+          <p:cNvPr id="2" name="Header Placeholder 1"/>
+          <p:cNvSpPr>
+            <a:spLocks noGrp="1"/>
+          </p:cNvSpPr>
+          <p:nvPr>
+            <p:ph type="hdr" sz="quarter"/>
+          </p:nvPr>
+        </p:nvSpPr>
+        <p:spPr>
+          <a:xfrm>
+            <a:off x="0" y="0"/>
+            <a:ext cx="2971800" cy="458788"/>
+          </a:xfrm>
+          <a:prstGeom prst="rect">
+            <a:avLst/>
+          </a:prstGeom>
+        </p:spPr>
+        <p:txBody>
+          <a:bodyPr vert="horz" lIns="91440" tIns="45720" rIns="91440" bIns="45720" rtlCol="0"/>
+          <a:lstStyle>
+            <a:lvl1pPr algn="l">
+              <a:defRPr sz="1200"/>
+            </a:lvl1pPr>
+          </a:lstStyle>
+          <a:p>
+            <a:endParaRPr lang="en-US"/>
+          </a:p>
+        </p:txBody>
+      </p:sp>
+      <p:sp>
+        <p:nvSpPr>
+          <p:cNvPr id="3" name="Date Placeholder 2"/>
+          <p:cNvSpPr>
+            <a:spLocks noGrp="1"/>
+          </p:cNvSpPr>
+          <p:nvPr>
+            <p:ph type="dt" idx="1"/>
+          </p:nvPr>
+        </p:nvSpPr>
+        <p:spPr>
+          <a:xfrm>
+            <a:off x="3884613" y="0"/>
+            <a:ext cx="2971800" cy="458788"/>
+          </a:xfrm>
+          <a:prstGeom prst="rect">
+            <a:avLst/>
+          </a:prstGeom>
+        </p:spPr>
+        <p:txBody>
+          <a:bodyPr vert="horz" lIns="91440" tIns="45720" rIns="91440" bIns="45720" rtlCol="0"/>
+          <a:lstStyle>
+            <a:lvl1pPr algn="r">
+              <a:defRPr sz="1200"/>
+            </a:lvl1pPr>
+          </a:lstStyle>
+          <a:p>
+            <a:fld id="{22359FA8-0645-430F-BE3A-18977B50E42F}" type="datetimeFigureOut">
+              <a:rPr lang="en-US" smtClean="0"/>
+              <a:t>2/18/2022</a:t>
+            </a:fld>
+            <a:endParaRPr lang="en-US"/>
+          </a:p>
+        </p:txBody>
+      </p:sp>
+      <p:sp>
+        <p:nvSpPr>
+          <p:cNvPr id="4" name="Slide Image Placeholder 3"/>
+          <p:cNvSpPr>
+            <a:spLocks noGrp="1" noRot="1" noChangeAspect="1"/>
+          </p:cNvSpPr>
+          <p:nvPr>
+            <p:ph type="sldImg" idx="2"/>
+          </p:nvPr>
+        </p:nvSpPr>
+        <p:spPr>
+          <a:xfrm>
+            <a:off x="685800" y="1143000"/>
+            <a:ext cx="5486400" cy="3086100"/>
+          </a:xfrm>
+          <a:prstGeom prst="rect">
+            <a:avLst/>
+          </a:prstGeom>
+          <a:noFill/>
+          <a:ln w="12700">
+            <a:solidFill>
+              <a:prstClr val="black"/>
+            </a:solidFill>
+          </a:ln>
+        </p:spPr>
+        <p:txBody>
+          <a:bodyPr vert="horz" lIns="91440" tIns="45720" rIns="91440" bIns="45720" rtlCol="0" anchor="ctr"/>
+          <a:lstStyle/>
+          <a:p>
+            <a:endParaRPr lang="en-US"/>
+          </a:p>
+        </p:txBody>
+      </p:sp>
+      <p:sp>
+        <p:nvSpPr>
+          <p:cNvPr id="5" name="Notes Placeholder 4"/>
+          <p:cNvSpPr>
+            <a:spLocks noGrp="1"/>
+          </p:cNvSpPr>
+          <p:nvPr>
+            <p:ph type="body" sz="quarter" idx="3"/>
+          </p:nvPr>
+        </p:nvSpPr>
+        <p:spPr>
+          <a:xfrm>
+            <a:off x="685800" y="4400550"/>
+            <a:ext cx="5486400" cy="3600450"/>
+          </a:xfrm>
+          <a:prstGeom prst="rect">
+            <a:avLst/>
+          </a:prstGeom>
+        </p:spPr>
+        <p:txBody>
+          <a:bodyPr vert="horz" lIns="91440" tIns="45720" rIns="91440" bIns="45720" rtlCol="0"/>
+          <a:lstStyle/>
+          <a:p>
+            <a:pPr lvl="0"/>
+            <a:r>
+              <a:rPr lang="en-US"/>
+              <a:t>Click to edit Master text styles</a:t>
+            </a:r>
+          </a:p>
+          <a:p>
+            <a:pPr lvl="1"/>
+            <a:r>
+              <a:rPr lang="en-US"/>
+              <a:t>Second level</a:t>
+            </a:r>
+          </a:p>
+          <a:p>
+            <a:pPr lvl="2"/>
+            <a:r>
+              <a:rPr lang="en-US"/>
+              <a:t>Third level</a:t>
+            </a:r>
+          </a:p>
+          <a:p>
+            <a:pPr lvl="3"/>
+            <a:r>
+              <a:rPr lang="en-US"/>
+              <a:t>Fourth level</a:t>
+            </a:r>
+          </a:p>
+          <a:p>
+            <a:pPr lvl="4"/>
+            <a:r>
+              <a:rPr lang="en-US"/>
+              <a:t>Fifth level</a:t>
+            </a:r>
+          </a:p>
+        </p:txBody>
+      </p:sp>
+      <p:sp>
+        <p:nvSpPr>
+          <p:cNvPr id="6" name="Footer Placeholder 5"/>
+          <p:cNvSpPr>
+            <a:spLocks noGrp="1"/>
+          </p:cNvSpPr>
+          <p:nvPr>
+            <p:ph type="ftr" sz="quarter" idx="4"/>
+          </p:nvPr>
+        </p:nvSpPr>
+        <p:spPr>
+          <a:xfrm>
+            <a:off x="0" y="8685213"/>
+            <a:ext cx="2971800" cy="458787"/>
+          </a:xfrm>
+          <a:prstGeom prst="rect">
+            <a:avLst/>
+          </a:prstGeom>
+        </p:spPr>
+        <p:txBody>
+          <a:bodyPr vert="horz" lIns="91440" tIns="45720" rIns="91440" bIns="45720" rtlCol="0" anchor="b"/>
+          <a:lstStyle>
+            <a:lvl1pPr algn="l">
+              <a:defRPr sz="1200"/>
+            </a:lvl1pPr>
+          </a:lstStyle>
+          <a:p>
+            <a:endParaRPr lang="en-US"/>
+          </a:p>
+        </p:txBody>
+      </p:sp>
+      <p:sp>
+        <p:nvSpPr>
+          <p:cNvPr id="7" name="Slide Number Placeholder 6"/>
+          <p:cNvSpPr>
+            <a:spLocks noGrp="1"/>
+          </p:cNvSpPr>
+          <p:nvPr>
+            <p:ph type="sldNum" sz="quarter" idx="5"/>
+          </p:nvPr>
+        </p:nvSpPr>
+        <p:spPr>
+          <a:xfrm>
+            <a:off x="3884613" y="8685213"/>
+            <a:ext cx="2971800" cy="458787"/>
+          </a:xfrm>
+          <a:prstGeom prst="rect">
+            <a:avLst/>
+          </a:prstGeom>
+        </p:spPr>
+        <p:txBody>
+          <a:bodyPr vert="horz" lIns="91440" tIns="45720" rIns="91440" bIns="45720" rtlCol="0" anchor="b"/>
+          <a:lstStyle>
+            <a:lvl1pPr algn="r">
+              <a:defRPr sz="1200"/>
+            </a:lvl1pPr>
+          </a:lstStyle>
+          <a:p>
+            <a:fld id="{CDF6ED08-DAAC-4FFC-9950-DEED9AE1F7CA}" type="slidenum">
+              <a:rPr lang="en-US" smtClean="0"/>
+              <a:t>‹#›</a:t>
+            </a:fld>
+            <a:endParaRPr lang="en-US"/>
+          </a:p>
+        </p:txBody>
+      </p:sp>
+    </p:spTree>
+    <p:extLst>
+      <p:ext uri="{BB962C8B-B14F-4D97-AF65-F5344CB8AC3E}">
+        <p14:creationId xmlns:p14="http://schemas.microsoft.com/office/powerpoint/2010/main" val="3005824369"/>
+      </p:ext>
+    </p:extLst>
+  </p:cSld>
+  <p:clrMap bg1="lt1" tx1="dk1" bg2="lt2" tx2="dk2" accent1="accent1" accent2="accent2" accent3="accent3" accent4="accent4" accent5="accent5" accent6="accent6" hlink="hlink" folHlink="folHlink"/>
+  <p:notesStyle>
+    <a:lvl1pPr marL="0" algn="l" defTabSz="914400" rtl="0" eaLnBrk="1" latinLnBrk="0" hangingPunct="1">
+      <a:defRPr sz="1200" kern="1200">
+        <a:solidFill>
+          <a:schemeClr val="tx1"/>
+        </a:solidFill>
+        <a:latin typeface="+mn-lt"/>
+        <a:ea typeface="+mn-ea"/>
+        <a:cs typeface="+mn-cs"/>
+      </a:defRPr>
+    </a:lvl1pPr>
+    <a:lvl2pPr marL="457200" algn="l" defTabSz="914400" rtl="0" eaLnBrk="1" latinLnBrk="0" hangingPunct="1">
+      <a:defRPr sz="1200" kern="1200">
+        <a:solidFill>
+          <a:schemeClr val="tx1"/>
+        </a:solidFill>
+        <a:latin typeface="+mn-lt"/>
+        <a:ea typeface="+mn-ea"/>
+        <a:cs typeface="+mn-cs"/>
+      </a:defRPr>
+    </a:lvl2pPr>
+    <a:lvl3pPr marL="914400" algn="l" defTabSz="914400" rtl="0" eaLnBrk="1" latinLnBrk="0" hangingPunct="1">
+      <a:defRPr sz="1200" kern="1200">
+        <a:solidFill>
+          <a:schemeClr val="tx1"/>
+        </a:solidFill>
+        <a:latin typeface="+mn-lt"/>
+        <a:ea typeface="+mn-ea"/>
+        <a:cs typeface="+mn-cs"/>
+      </a:defRPr>
+    </a:lvl3pPr>
+    <a:lvl4pPr marL="1371600" algn="l" defTabSz="914400" rtl="0" eaLnBrk="1" latinLnBrk="0" hangingPunct="1">
+      <a:defRPr sz="1200" kern="1200">
+        <a:solidFill>
+          <a:schemeClr val="tx1"/>
+        </a:solidFill>
+        <a:latin typeface="+mn-lt"/>
+        <a:ea typeface="+mn-ea"/>
+        <a:cs typeface="+mn-cs"/>
+      </a:defRPr>
+    </a:lvl4pPr>
+    <a:lvl5pPr marL="1828800" algn="l" defTabSz="914400" rtl="0" eaLnBrk="1" latinLnBrk="0" hangingPunct="1">
+      <a:defRPr sz="1200" kern="1200">
+        <a:solidFill>
+          <a:schemeClr val="tx1"/>
+        </a:solidFill>
+        <a:latin typeface="+mn-lt"/>
+        <a:ea typeface="+mn-ea"/>
+        <a:cs typeface="+mn-cs"/>
+      </a:defRPr>
+    </a:lvl5pPr>
+    <a:lvl6pPr marL="2286000" algn="l" defTabSz="914400" rtl="0" eaLnBrk="1" latinLnBrk="0" hangingPunct="1">
+      <a:defRPr sz="1200" kern="1200">
+        <a:solidFill>
+          <a:schemeClr val="tx1"/>
+        </a:solidFill>
+        <a:latin typeface="+mn-lt"/>
+        <a:ea typeface="+mn-ea"/>
+        <a:cs typeface="+mn-cs"/>
+      </a:defRPr>
+    </a:lvl6pPr>
+    <a:lvl7pPr marL="2743200" algn="l" defTabSz="914400" rtl="0" eaLnBrk="1" latinLnBrk="0" hangingPunct="1">
+      <a:defRPr sz="1200" kern="1200">
+        <a:solidFill>
+          <a:schemeClr val="tx1"/>
+        </a:solidFill>
+        <a:latin typeface="+mn-lt"/>
+        <a:ea typeface="+mn-ea"/>
+        <a:cs typeface="+mn-cs"/>
+      </a:defRPr>
+    </a:lvl7pPr>
+    <a:lvl8pPr marL="3200400" algn="l" defTabSz="914400" rtl="0" eaLnBrk="1" latinLnBrk="0" hangingPunct="1">
+      <a:defRPr sz="1200" kern="1200">
+        <a:solidFill>
+          <a:schemeClr val="tx1"/>
+        </a:solidFill>
+        <a:latin typeface="+mn-lt"/>
+        <a:ea typeface="+mn-ea"/>
+        <a:cs typeface="+mn-cs"/>
+      </a:defRPr>
+    </a:lvl8pPr>
+    <a:lvl9pPr marL="3657600" algn="l" defTabSz="914400" rtl="0" eaLnBrk="1" latinLnBrk="0" hangingPunct="1">
+      <a:defRPr sz="1200" kern="1200">
+        <a:solidFill>
+          <a:schemeClr val="tx1"/>
+        </a:solidFill>
+        <a:latin typeface="+mn-lt"/>
+        <a:ea typeface="+mn-ea"/>
+        <a:cs typeface="+mn-cs"/>
+      </a:defRPr>
+    </a:lvl9pPr>
+  </p:notesStyle>
+</p:notesMaster>
+</file>
+
+<file path=ppt/notesSlides/notesSlide1.xml><?xml version="1.0" encoding="utf-8"?>
+<p:notes xmlns:a="http://schemas.openxmlformats.org/drawingml/2006/main" xmlns:r="http://schemas.openxmlformats.org/officeDocument/2006/relationships" xmlns:p="http://schemas.openxmlformats.org/presentationml/2006/main">
+  <p:cSld>
+    <p:spTree>
+      <p:nvGrpSpPr>
+        <p:cNvPr id="1" name=""/>
+        <p:cNvGrpSpPr/>
+        <p:nvPr/>
+      </p:nvGrpSpPr>
+      <p:grpSpPr>
+        <a:xfrm>
+          <a:off x="0" y="0"/>
+          <a:ext cx="0" cy="0"/>
+          <a:chOff x="0" y="0"/>
+          <a:chExt cx="0" cy="0"/>
+        </a:xfrm>
+      </p:grpSpPr>
+      <p:sp>
+        <p:nvSpPr>
+          <p:cNvPr id="2" name="Slide Image Placeholder 1"/>
+          <p:cNvSpPr>
+            <a:spLocks noGrp="1" noRot="1" noChangeAspect="1"/>
+          </p:cNvSpPr>
+          <p:nvPr>
+            <p:ph type="sldImg"/>
+          </p:nvPr>
+        </p:nvSpPr>
+        <p:spPr/>
+      </p:sp>
+      <p:sp>
+        <p:nvSpPr>
+          <p:cNvPr id="3" name="Notes Placeholder 2"/>
+          <p:cNvSpPr>
+            <a:spLocks noGrp="1"/>
+          </p:cNvSpPr>
+          <p:nvPr>
+            <p:ph type="body" idx="1"/>
+          </p:nvPr>
+        </p:nvSpPr>
+        <p:spPr/>
+        <p:txBody>
+          <a:bodyPr/>
+          <a:lstStyle/>
+          <a:p>
+            <a:endParaRPr lang="en-US" dirty="0"/>
+          </a:p>
+        </p:txBody>
+      </p:sp>
+      <p:sp>
+        <p:nvSpPr>
+          <p:cNvPr id="4" name="Slide Number Placeholder 3"/>
+          <p:cNvSpPr>
+            <a:spLocks noGrp="1"/>
+          </p:cNvSpPr>
+          <p:nvPr>
+            <p:ph type="sldNum" sz="quarter" idx="5"/>
+          </p:nvPr>
+        </p:nvSpPr>
+        <p:spPr/>
+        <p:txBody>
+          <a:bodyPr/>
+          <a:lstStyle/>
+          <a:p>
+            <a:fld id="{CDF6ED08-DAAC-4FFC-9950-DEED9AE1F7CA}" type="slidenum">
+              <a:rPr lang="en-US" smtClean="0"/>
+              <a:t>15</a:t>
+            </a:fld>
+            <a:endParaRPr lang="en-US"/>
+          </a:p>
+        </p:txBody>
+      </p:sp>
+    </p:spTree>
+    <p:extLst>
+      <p:ext uri="{BB962C8B-B14F-4D97-AF65-F5344CB8AC3E}">
+        <p14:creationId xmlns:p14="http://schemas.microsoft.com/office/powerpoint/2010/main" val="1949149274"/>
+      </p:ext>
+    </p:extLst>
+  </p:cSld>
+  <p:clrMapOvr>
+    <a:masterClrMapping/>
+  </p:clrMapOvr>
+</p:notes>
+</file>
+
+<file path=ppt/notesSlides/notesSlide2.xml><?xml version="1.0" encoding="utf-8"?>
+<p:notes xmlns:a="http://schemas.openxmlformats.org/drawingml/2006/main" xmlns:r="http://schemas.openxmlformats.org/officeDocument/2006/relationships" xmlns:p="http://schemas.openxmlformats.org/presentationml/2006/main">
+  <p:cSld>
+    <p:spTree>
+      <p:nvGrpSpPr>
+        <p:cNvPr id="1" name=""/>
+        <p:cNvGrpSpPr/>
+        <p:nvPr/>
+      </p:nvGrpSpPr>
+      <p:grpSpPr>
+        <a:xfrm>
+          <a:off x="0" y="0"/>
+          <a:ext cx="0" cy="0"/>
+          <a:chOff x="0" y="0"/>
+          <a:chExt cx="0" cy="0"/>
+        </a:xfrm>
+      </p:grpSpPr>
+      <p:sp>
+        <p:nvSpPr>
+          <p:cNvPr id="2" name="Slide Image Placeholder 1"/>
+          <p:cNvSpPr>
+            <a:spLocks noGrp="1" noRot="1" noChangeAspect="1"/>
+          </p:cNvSpPr>
+          <p:nvPr>
+            <p:ph type="sldImg"/>
+          </p:nvPr>
+        </p:nvSpPr>
+        <p:spPr/>
+      </p:sp>
+      <p:sp>
+        <p:nvSpPr>
+          <p:cNvPr id="3" name="Notes Placeholder 2"/>
+          <p:cNvSpPr>
+            <a:spLocks noGrp="1"/>
+          </p:cNvSpPr>
+          <p:nvPr>
+            <p:ph type="body" idx="1"/>
+          </p:nvPr>
+        </p:nvSpPr>
+        <p:spPr/>
+        <p:txBody>
+          <a:bodyPr/>
+          <a:lstStyle/>
+          <a:p>
+            <a:r>
+              <a:rPr lang="en-US" dirty="0"/>
+              <a:t>RUI: In most traditional UI frameworks, the user interface’s initial state is described once and then separately updated by user code at runtime, in response to events. </a:t>
+            </a:r>
+          </a:p>
+          <a:p>
+            <a:endParaRPr lang="en-US" dirty="0"/>
+          </a:p>
+          <a:p>
+            <a:r>
+              <a:rPr lang="en-US" dirty="0"/>
+              <a:t>W: concepts responsible for a lot:</a:t>
+            </a:r>
+          </a:p>
+          <a:p>
+            <a:r>
+              <a:rPr lang="en-US" dirty="0"/>
+              <a:t>A widget represents drawing to the screen, layout, interactivity, state management, theming, animations, nav.</a:t>
+            </a:r>
+          </a:p>
+          <a:p>
+            <a:r>
+              <a:rPr lang="en-US" dirty="0"/>
+              <a:t>Animation layer, Animations and Tweens are responsible for everything there.</a:t>
+            </a:r>
+          </a:p>
+          <a:p>
+            <a:r>
+              <a:rPr lang="en-US" dirty="0" err="1"/>
+              <a:t>RenderObjects</a:t>
+            </a:r>
+            <a:r>
+              <a:rPr lang="en-US" dirty="0"/>
+              <a:t> describe layout, painting, </a:t>
+            </a:r>
+            <a:r>
+              <a:rPr lang="en-US" dirty="0" err="1"/>
+              <a:t>accessability</a:t>
+            </a:r>
+            <a:r>
+              <a:rPr lang="en-US" dirty="0"/>
+              <a:t>. </a:t>
+            </a:r>
+          </a:p>
+          <a:p>
+            <a:endParaRPr lang="en-US" dirty="0"/>
+          </a:p>
+          <a:p>
+            <a:endParaRPr lang="en-US" dirty="0"/>
+          </a:p>
+          <a:p>
+            <a:endParaRPr lang="en-US" dirty="0"/>
+          </a:p>
+        </p:txBody>
+      </p:sp>
+      <p:sp>
+        <p:nvSpPr>
+          <p:cNvPr id="4" name="Slide Number Placeholder 3"/>
+          <p:cNvSpPr>
+            <a:spLocks noGrp="1"/>
+          </p:cNvSpPr>
+          <p:nvPr>
+            <p:ph type="sldNum" sz="quarter" idx="5"/>
+          </p:nvPr>
+        </p:nvSpPr>
+        <p:spPr/>
+        <p:txBody>
+          <a:bodyPr/>
+          <a:lstStyle/>
+          <a:p>
+            <a:fld id="{CDF6ED08-DAAC-4FFC-9950-DEED9AE1F7CA}" type="slidenum">
+              <a:rPr lang="en-US" smtClean="0"/>
+              <a:t>16</a:t>
+            </a:fld>
+            <a:endParaRPr lang="en-US"/>
+          </a:p>
+        </p:txBody>
+      </p:sp>
+    </p:spTree>
+    <p:extLst>
+      <p:ext uri="{BB962C8B-B14F-4D97-AF65-F5344CB8AC3E}">
+        <p14:creationId xmlns:p14="http://schemas.microsoft.com/office/powerpoint/2010/main" val="4165430655"/>
+      </p:ext>
+    </p:extLst>
+  </p:cSld>
+  <p:clrMapOvr>
+    <a:masterClrMapping/>
+  </p:clrMapOvr>
+</p:notes>
+</file>
+
+<file path=ppt/notesSlides/notesSlide3.xml><?xml version="1.0" encoding="utf-8"?>
+<p:notes xmlns:a="http://schemas.openxmlformats.org/drawingml/2006/main" xmlns:r="http://schemas.openxmlformats.org/officeDocument/2006/relationships" xmlns:p="http://schemas.openxmlformats.org/presentationml/2006/main">
+  <p:cSld>
+    <p:spTree>
+      <p:nvGrpSpPr>
+        <p:cNvPr id="1" name=""/>
+        <p:cNvGrpSpPr/>
+        <p:nvPr/>
+      </p:nvGrpSpPr>
+      <p:grpSpPr>
+        <a:xfrm>
+          <a:off x="0" y="0"/>
+          <a:ext cx="0" cy="0"/>
+          <a:chOff x="0" y="0"/>
+          <a:chExt cx="0" cy="0"/>
+        </a:xfrm>
+      </p:grpSpPr>
+      <p:sp>
+        <p:nvSpPr>
+          <p:cNvPr id="2" name="Slide Image Placeholder 1"/>
+          <p:cNvSpPr>
+            <a:spLocks noGrp="1" noRot="1" noChangeAspect="1"/>
+          </p:cNvSpPr>
+          <p:nvPr>
+            <p:ph type="sldImg"/>
+          </p:nvPr>
+        </p:nvSpPr>
+        <p:spPr/>
+      </p:sp>
+      <p:sp>
+        <p:nvSpPr>
+          <p:cNvPr id="3" name="Notes Placeholder 2"/>
+          <p:cNvSpPr>
+            <a:spLocks noGrp="1"/>
+          </p:cNvSpPr>
+          <p:nvPr>
+            <p:ph type="body" idx="1"/>
+          </p:nvPr>
+        </p:nvSpPr>
+        <p:spPr/>
+        <p:txBody>
+          <a:bodyPr/>
+          <a:lstStyle/>
+          <a:p>
+            <a:endParaRPr lang="en-US" dirty="0"/>
+          </a:p>
+        </p:txBody>
+      </p:sp>
+      <p:sp>
+        <p:nvSpPr>
+          <p:cNvPr id="4" name="Slide Number Placeholder 3"/>
+          <p:cNvSpPr>
+            <a:spLocks noGrp="1"/>
+          </p:cNvSpPr>
+          <p:nvPr>
+            <p:ph type="sldNum" sz="quarter" idx="5"/>
+          </p:nvPr>
+        </p:nvSpPr>
+        <p:spPr/>
+        <p:txBody>
+          <a:bodyPr/>
+          <a:lstStyle/>
+          <a:p>
+            <a:fld id="{CDF6ED08-DAAC-4FFC-9950-DEED9AE1F7CA}" type="slidenum">
+              <a:rPr lang="en-US" smtClean="0"/>
+              <a:t>17</a:t>
+            </a:fld>
+            <a:endParaRPr lang="en-US"/>
+          </a:p>
+        </p:txBody>
+      </p:sp>
+    </p:spTree>
+    <p:extLst>
+      <p:ext uri="{BB962C8B-B14F-4D97-AF65-F5344CB8AC3E}">
+        <p14:creationId xmlns:p14="http://schemas.microsoft.com/office/powerpoint/2010/main" val="4130980077"/>
+      </p:ext>
+    </p:extLst>
+  </p:cSld>
+  <p:clrMapOvr>
+    <a:masterClrMapping/>
+  </p:clrMapOvr>
+</p:notes>
+</file>
+
 <file path=ppt/slideLayouts/slideLayout1.xml><?xml version="1.0" encoding="utf-8"?>
 <p:sldLayout xmlns:a="http://schemas.openxmlformats.org/drawingml/2006/main" xmlns:r="http://schemas.openxmlformats.org/officeDocument/2006/relationships" xmlns:p="http://schemas.openxmlformats.org/presentationml/2006/main" type="title" preserve="1">
   <p:cSld name="Title Slide">
@@ -400,7 +1058,7 @@
           <a:p>
             <a:fld id="{34891F7B-7391-4F87-9AA4-1E9AC2164F40}" type="datetimeFigureOut">
               <a:rPr lang="en-US" smtClean="0"/>
-              <a:t>2/11/2022</a:t>
+              <a:t>2/18/2022</a:t>
             </a:fld>
             <a:endParaRPr lang="en-US"/>
           </a:p>
@@ -814,7 +1472,7 @@
           <a:p>
             <a:fld id="{34891F7B-7391-4F87-9AA4-1E9AC2164F40}" type="datetimeFigureOut">
               <a:rPr lang="en-US" smtClean="0"/>
-              <a:t>2/11/2022</a:t>
+              <a:t>2/18/2022</a:t>
             </a:fld>
             <a:endParaRPr lang="en-US"/>
           </a:p>
@@ -1150,7 +1808,7 @@
           <a:p>
             <a:fld id="{34891F7B-7391-4F87-9AA4-1E9AC2164F40}" type="datetimeFigureOut">
               <a:rPr lang="en-US" smtClean="0"/>
-              <a:t>2/11/2022</a:t>
+              <a:t>2/18/2022</a:t>
             </a:fld>
             <a:endParaRPr lang="en-US"/>
           </a:p>
@@ -1555,7 +2213,7 @@
           <a:p>
             <a:fld id="{34891F7B-7391-4F87-9AA4-1E9AC2164F40}" type="datetimeFigureOut">
               <a:rPr lang="en-US" smtClean="0"/>
-              <a:t>2/11/2022</a:t>
+              <a:t>2/18/2022</a:t>
             </a:fld>
             <a:endParaRPr lang="en-US"/>
           </a:p>
@@ -2123,7 +2781,7 @@
           <a:p>
             <a:fld id="{34891F7B-7391-4F87-9AA4-1E9AC2164F40}" type="datetimeFigureOut">
               <a:rPr lang="en-US" smtClean="0"/>
-              <a:t>2/11/2022</a:t>
+              <a:t>2/18/2022</a:t>
             </a:fld>
             <a:endParaRPr lang="en-US"/>
           </a:p>
@@ -2804,7 +3462,7 @@
           <a:p>
             <a:fld id="{34891F7B-7391-4F87-9AA4-1E9AC2164F40}" type="datetimeFigureOut">
               <a:rPr lang="en-US" smtClean="0"/>
-              <a:t>2/11/2022</a:t>
+              <a:t>2/18/2022</a:t>
             </a:fld>
             <a:endParaRPr lang="en-US"/>
           </a:p>
@@ -3717,7 +4375,7 @@
           <a:p>
             <a:fld id="{34891F7B-7391-4F87-9AA4-1E9AC2164F40}" type="datetimeFigureOut">
               <a:rPr lang="en-US" smtClean="0"/>
-              <a:t>2/11/2022</a:t>
+              <a:t>2/18/2022</a:t>
             </a:fld>
             <a:endParaRPr lang="en-US"/>
           </a:p>
@@ -4030,7 +4688,7 @@
           <a:p>
             <a:fld id="{34891F7B-7391-4F87-9AA4-1E9AC2164F40}" type="datetimeFigureOut">
               <a:rPr lang="en-US" smtClean="0"/>
-              <a:t>2/11/2022</a:t>
+              <a:t>2/18/2022</a:t>
             </a:fld>
             <a:endParaRPr lang="en-US"/>
           </a:p>
@@ -4294,7 +4952,7 @@
           <a:p>
             <a:fld id="{34891F7B-7391-4F87-9AA4-1E9AC2164F40}" type="datetimeFigureOut">
               <a:rPr lang="en-US" smtClean="0"/>
-              <a:t>2/11/2022</a:t>
+              <a:t>2/18/2022</a:t>
             </a:fld>
             <a:endParaRPr lang="en-US"/>
           </a:p>
@@ -4643,7 +5301,7 @@
           <a:p>
             <a:fld id="{34891F7B-7391-4F87-9AA4-1E9AC2164F40}" type="datetimeFigureOut">
               <a:rPr lang="en-US" smtClean="0"/>
-              <a:t>2/11/2022</a:t>
+              <a:t>2/18/2022</a:t>
             </a:fld>
             <a:endParaRPr lang="en-US"/>
           </a:p>
@@ -4957,7 +5615,7 @@
           <a:p>
             <a:fld id="{34891F7B-7391-4F87-9AA4-1E9AC2164F40}" type="datetimeFigureOut">
               <a:rPr lang="en-US" smtClean="0"/>
-              <a:t>2/11/2022</a:t>
+              <a:t>2/18/2022</a:t>
             </a:fld>
             <a:endParaRPr lang="en-US"/>
           </a:p>
@@ -5266,7 +5924,7 @@
           <a:p>
             <a:fld id="{34891F7B-7391-4F87-9AA4-1E9AC2164F40}" type="datetimeFigureOut">
               <a:rPr lang="en-US" smtClean="0"/>
-              <a:t>2/11/2022</a:t>
+              <a:t>2/18/2022</a:t>
             </a:fld>
             <a:endParaRPr lang="en-US"/>
           </a:p>
@@ -5655,7 +6313,7 @@
           <a:p>
             <a:fld id="{34891F7B-7391-4F87-9AA4-1E9AC2164F40}" type="datetimeFigureOut">
               <a:rPr lang="en-US" smtClean="0"/>
-              <a:t>2/11/2022</a:t>
+              <a:t>2/18/2022</a:t>
             </a:fld>
             <a:endParaRPr lang="en-US"/>
           </a:p>
@@ -6031,7 +6689,7 @@
           <a:p>
             <a:fld id="{34891F7B-7391-4F87-9AA4-1E9AC2164F40}" type="datetimeFigureOut">
               <a:rPr lang="en-US" smtClean="0"/>
-              <a:t>2/11/2022</a:t>
+              <a:t>2/18/2022</a:t>
             </a:fld>
             <a:endParaRPr lang="en-US"/>
           </a:p>
@@ -6537,7 +7195,7 @@
           <a:p>
             <a:fld id="{34891F7B-7391-4F87-9AA4-1E9AC2164F40}" type="datetimeFigureOut">
               <a:rPr lang="en-US" smtClean="0"/>
-              <a:t>2/11/2022</a:t>
+              <a:t>2/18/2022</a:t>
             </a:fld>
             <a:endParaRPr lang="en-US"/>
           </a:p>
@@ -6794,7 +7452,7 @@
           <a:p>
             <a:fld id="{34891F7B-7391-4F87-9AA4-1E9AC2164F40}" type="datetimeFigureOut">
               <a:rPr lang="en-US" smtClean="0"/>
-              <a:t>2/11/2022</a:t>
+              <a:t>2/18/2022</a:t>
             </a:fld>
             <a:endParaRPr lang="en-US"/>
           </a:p>
@@ -6957,7 +7615,7 @@
           <a:p>
             <a:fld id="{34891F7B-7391-4F87-9AA4-1E9AC2164F40}" type="datetimeFigureOut">
               <a:rPr lang="en-US" smtClean="0"/>
-              <a:t>2/11/2022</a:t>
+              <a:t>2/18/2022</a:t>
             </a:fld>
             <a:endParaRPr lang="en-US"/>
           </a:p>
@@ -7347,7 +8005,7 @@
           <a:p>
             <a:fld id="{34891F7B-7391-4F87-9AA4-1E9AC2164F40}" type="datetimeFigureOut">
               <a:rPr lang="en-US" smtClean="0"/>
-              <a:t>2/11/2022</a:t>
+              <a:t>2/18/2022</a:t>
             </a:fld>
             <a:endParaRPr lang="en-US"/>
           </a:p>
@@ -7756,7 +8414,7 @@
           <a:p>
             <a:fld id="{34891F7B-7391-4F87-9AA4-1E9AC2164F40}" type="datetimeFigureOut">
               <a:rPr lang="en-US" smtClean="0"/>
-              <a:t>2/11/2022</a:t>
+              <a:t>2/18/2022</a:t>
             </a:fld>
             <a:endParaRPr lang="en-US"/>
           </a:p>
@@ -8165,7 +8823,7 @@
           <a:p>
             <a:fld id="{34891F7B-7391-4F87-9AA4-1E9AC2164F40}" type="datetimeFigureOut">
               <a:rPr lang="en-US" smtClean="0"/>
-              <a:t>2/11/2022</a:t>
+              <a:t>2/18/2022</a:t>
             </a:fld>
             <a:endParaRPr lang="en-US"/>
           </a:p>
@@ -8501,7 +9159,7 @@
           <a:p>
             <a:fld id="{34891F7B-7391-4F87-9AA4-1E9AC2164F40}" type="datetimeFigureOut">
               <a:rPr lang="en-US" smtClean="0"/>
-              <a:t>2/11/2022</a:t>
+              <a:t>2/18/2022</a:t>
             </a:fld>
             <a:endParaRPr lang="en-US"/>
           </a:p>
@@ -8906,7 +9564,7 @@
           <a:p>
             <a:fld id="{34891F7B-7391-4F87-9AA4-1E9AC2164F40}" type="datetimeFigureOut">
               <a:rPr lang="en-US" smtClean="0"/>
-              <a:t>2/11/2022</a:t>
+              <a:t>2/18/2022</a:t>
             </a:fld>
             <a:endParaRPr lang="en-US"/>
           </a:p>
@@ -9532,7 +10190,7 @@
           <a:p>
             <a:fld id="{34891F7B-7391-4F87-9AA4-1E9AC2164F40}" type="datetimeFigureOut">
               <a:rPr lang="en-US" smtClean="0"/>
-              <a:t>2/11/2022</a:t>
+              <a:t>2/18/2022</a:t>
             </a:fld>
             <a:endParaRPr lang="en-US"/>
           </a:p>
@@ -9868,7 +10526,7 @@
           <a:p>
             <a:fld id="{34891F7B-7391-4F87-9AA4-1E9AC2164F40}" type="datetimeFigureOut">
               <a:rPr lang="en-US" smtClean="0"/>
-              <a:t>2/11/2022</a:t>
+              <a:t>2/18/2022</a:t>
             </a:fld>
             <a:endParaRPr lang="en-US"/>
           </a:p>
@@ -10549,7 +11207,7 @@
           <a:p>
             <a:fld id="{34891F7B-7391-4F87-9AA4-1E9AC2164F40}" type="datetimeFigureOut">
               <a:rPr lang="en-US" smtClean="0"/>
-              <a:t>2/11/2022</a:t>
+              <a:t>2/18/2022</a:t>
             </a:fld>
             <a:endParaRPr lang="en-US"/>
           </a:p>
@@ -11462,7 +12120,7 @@
           <a:p>
             <a:fld id="{34891F7B-7391-4F87-9AA4-1E9AC2164F40}" type="datetimeFigureOut">
               <a:rPr lang="en-US" smtClean="0"/>
-              <a:t>2/11/2022</a:t>
+              <a:t>2/18/2022</a:t>
             </a:fld>
             <a:endParaRPr lang="en-US"/>
           </a:p>
@@ -11775,7 +12433,7 @@
           <a:p>
             <a:fld id="{34891F7B-7391-4F87-9AA4-1E9AC2164F40}" type="datetimeFigureOut">
               <a:rPr lang="en-US" smtClean="0"/>
-              <a:t>2/11/2022</a:t>
+              <a:t>2/18/2022</a:t>
             </a:fld>
             <a:endParaRPr lang="en-US"/>
           </a:p>
@@ -12039,7 +12697,7 @@
           <a:p>
             <a:fld id="{34891F7B-7391-4F87-9AA4-1E9AC2164F40}" type="datetimeFigureOut">
               <a:rPr lang="en-US" smtClean="0"/>
-              <a:t>2/11/2022</a:t>
+              <a:t>2/18/2022</a:t>
             </a:fld>
             <a:endParaRPr lang="en-US"/>
           </a:p>
@@ -12424,7 +13082,7 @@
           <a:p>
             <a:fld id="{34891F7B-7391-4F87-9AA4-1E9AC2164F40}" type="datetimeFigureOut">
               <a:rPr lang="en-US" smtClean="0"/>
-              <a:t>2/11/2022</a:t>
+              <a:t>2/18/2022</a:t>
             </a:fld>
             <a:endParaRPr lang="en-US"/>
           </a:p>
@@ -12930,7 +13588,7 @@
           <a:p>
             <a:fld id="{34891F7B-7391-4F87-9AA4-1E9AC2164F40}" type="datetimeFigureOut">
               <a:rPr lang="en-US" smtClean="0"/>
-              <a:t>2/11/2022</a:t>
+              <a:t>2/18/2022</a:t>
             </a:fld>
             <a:endParaRPr lang="en-US"/>
           </a:p>
@@ -13187,7 +13845,7 @@
           <a:p>
             <a:fld id="{34891F7B-7391-4F87-9AA4-1E9AC2164F40}" type="datetimeFigureOut">
               <a:rPr lang="en-US" smtClean="0"/>
-              <a:t>2/11/2022</a:t>
+              <a:t>2/18/2022</a:t>
             </a:fld>
             <a:endParaRPr lang="en-US"/>
           </a:p>
@@ -13350,7 +14008,7 @@
           <a:p>
             <a:fld id="{34891F7B-7391-4F87-9AA4-1E9AC2164F40}" type="datetimeFigureOut">
               <a:rPr lang="en-US" smtClean="0"/>
-              <a:t>2/11/2022</a:t>
+              <a:t>2/18/2022</a:t>
             </a:fld>
             <a:endParaRPr lang="en-US"/>
           </a:p>
@@ -13740,7 +14398,7 @@
           <a:p>
             <a:fld id="{34891F7B-7391-4F87-9AA4-1E9AC2164F40}" type="datetimeFigureOut">
               <a:rPr lang="en-US" smtClean="0"/>
-              <a:t>2/11/2022</a:t>
+              <a:t>2/18/2022</a:t>
             </a:fld>
             <a:endParaRPr lang="en-US"/>
           </a:p>
@@ -14149,7 +14807,7 @@
           <a:p>
             <a:fld id="{34891F7B-7391-4F87-9AA4-1E9AC2164F40}" type="datetimeFigureOut">
               <a:rPr lang="en-US" smtClean="0"/>
-              <a:t>2/11/2022</a:t>
+              <a:t>2/18/2022</a:t>
             </a:fld>
             <a:endParaRPr lang="en-US"/>
           </a:p>
@@ -14393,7 +15051,7 @@
           <a:p>
             <a:fld id="{34891F7B-7391-4F87-9AA4-1E9AC2164F40}" type="datetimeFigureOut">
               <a:rPr lang="en-US" smtClean="0"/>
-              <a:t>2/11/2022</a:t>
+              <a:t>2/18/2022</a:t>
             </a:fld>
             <a:endParaRPr lang="en-US"/>
           </a:p>
@@ -14970,7 +15628,7 @@
           <a:p>
             <a:fld id="{34891F7B-7391-4F87-9AA4-1E9AC2164F40}" type="datetimeFigureOut">
               <a:rPr lang="en-US" smtClean="0"/>
-              <a:t>2/11/2022</a:t>
+              <a:t>2/18/2022</a:t>
             </a:fld>
             <a:endParaRPr lang="en-US"/>
           </a:p>
@@ -16545,6 +17203,504 @@
     <p:extLst>
       <p:ext uri="{BB962C8B-B14F-4D97-AF65-F5344CB8AC3E}">
         <p14:creationId xmlns:p14="http://schemas.microsoft.com/office/powerpoint/2010/main" val="1372445352"/>
+      </p:ext>
+    </p:extLst>
+  </p:cSld>
+  <p:clrMapOvr>
+    <a:masterClrMapping/>
+  </p:clrMapOvr>
+</p:sld>
+</file>
+
+<file path=ppt/slides/slide15.xml><?xml version="1.0" encoding="utf-8"?>
+<p:sld xmlns:a="http://schemas.openxmlformats.org/drawingml/2006/main" xmlns:r="http://schemas.openxmlformats.org/officeDocument/2006/relationships" xmlns:p="http://schemas.openxmlformats.org/presentationml/2006/main">
+  <p:cSld>
+    <p:spTree>
+      <p:nvGrpSpPr>
+        <p:cNvPr id="1" name=""/>
+        <p:cNvGrpSpPr/>
+        <p:nvPr/>
+      </p:nvGrpSpPr>
+      <p:grpSpPr>
+        <a:xfrm>
+          <a:off x="0" y="0"/>
+          <a:ext cx="0" cy="0"/>
+          <a:chOff x="0" y="0"/>
+          <a:chExt cx="0" cy="0"/>
+        </a:xfrm>
+      </p:grpSpPr>
+      <p:sp>
+        <p:nvSpPr>
+          <p:cNvPr id="2" name="Title 1">
+            <a:extLst>
+              <a:ext uri="{FF2B5EF4-FFF2-40B4-BE49-F238E27FC236}">
+                <a16:creationId xmlns:a16="http://schemas.microsoft.com/office/drawing/2014/main" id="{858185AB-2FD1-4AB1-9B9A-F3214D8E26FF}"/>
+              </a:ext>
+            </a:extLst>
+          </p:cNvPr>
+          <p:cNvSpPr>
+            <a:spLocks noGrp="1"/>
+          </p:cNvSpPr>
+          <p:nvPr>
+            <p:ph type="title"/>
+          </p:nvPr>
+        </p:nvSpPr>
+        <p:spPr>
+          <a:xfrm>
+            <a:off x="0" y="627968"/>
+            <a:ext cx="6441989" cy="1080938"/>
+          </a:xfrm>
+        </p:spPr>
+        <p:txBody>
+          <a:bodyPr/>
+          <a:lstStyle/>
+          <a:p>
+            <a:r>
+              <a:rPr lang="en-US" dirty="0"/>
+              <a:t>Flutter: intro &amp; architecture</a:t>
+            </a:r>
+          </a:p>
+        </p:txBody>
+      </p:sp>
+      <p:sp>
+        <p:nvSpPr>
+          <p:cNvPr id="3" name="Content Placeholder 2">
+            <a:extLst>
+              <a:ext uri="{FF2B5EF4-FFF2-40B4-BE49-F238E27FC236}">
+                <a16:creationId xmlns:a16="http://schemas.microsoft.com/office/drawing/2014/main" id="{0EA2E74C-FAE8-46AB-8F8A-6E1D3C806F2D}"/>
+              </a:ext>
+            </a:extLst>
+          </p:cNvPr>
+          <p:cNvSpPr>
+            <a:spLocks noGrp="1"/>
+          </p:cNvSpPr>
+          <p:nvPr>
+            <p:ph idx="1"/>
+          </p:nvPr>
+        </p:nvSpPr>
+        <p:spPr>
+          <a:xfrm>
+            <a:off x="0" y="1999122"/>
+            <a:ext cx="6252518" cy="4858878"/>
+          </a:xfrm>
+        </p:spPr>
+        <p:txBody>
+          <a:bodyPr/>
+          <a:lstStyle/>
+          <a:p>
+            <a:r>
+              <a:rPr lang="en-US" dirty="0"/>
+              <a:t>Flutter is a cross platform UI toolkit (mobile, desktop, web)</a:t>
+            </a:r>
+          </a:p>
+          <a:p>
+            <a:r>
+              <a:rPr lang="en-US" dirty="0"/>
+              <a:t>Compiled to machine code or JS</a:t>
+            </a:r>
+          </a:p>
+          <a:p>
+            <a:r>
+              <a:rPr lang="en-US" dirty="0"/>
+              <a:t>Layers:</a:t>
+            </a:r>
+          </a:p>
+          <a:p>
+            <a:pPr lvl="1"/>
+            <a:r>
+              <a:rPr lang="en-US" dirty="0"/>
+              <a:t>No privileged access to layers below</a:t>
+            </a:r>
+          </a:p>
+          <a:p>
+            <a:pPr lvl="1"/>
+            <a:r>
+              <a:rPr lang="en-US" dirty="0"/>
+              <a:t>Everything in the framework level is optional</a:t>
+            </a:r>
+          </a:p>
+          <a:p>
+            <a:pPr lvl="1"/>
+            <a:r>
+              <a:rPr lang="en-US" dirty="0"/>
+              <a:t>To the OS, a flutter app is just a native app</a:t>
+            </a:r>
+          </a:p>
+          <a:p>
+            <a:pPr lvl="1"/>
+            <a:r>
+              <a:rPr lang="en-US" dirty="0"/>
+              <a:t>Embedder is written in OS-appropriate language(Java/C++, Objective C, C++)</a:t>
+            </a:r>
+          </a:p>
+          <a:p>
+            <a:pPr lvl="1"/>
+            <a:r>
+              <a:rPr lang="en-US" dirty="0"/>
+              <a:t>Engine provides low-level implementation of Flutter’s core API (graphics, I/O, Dart runtime env)</a:t>
+            </a:r>
+          </a:p>
+          <a:p>
+            <a:pPr lvl="1"/>
+            <a:r>
+              <a:rPr lang="en-US" dirty="0"/>
+              <a:t>Engine is exposed to flutter through </a:t>
+            </a:r>
+            <a:r>
+              <a:rPr lang="en-US" dirty="0" err="1"/>
+              <a:t>dar:ui</a:t>
+            </a:r>
+            <a:r>
+              <a:rPr lang="en-US" dirty="0"/>
+              <a:t>, wrapping underlying C++ code into Dart classes</a:t>
+            </a:r>
+          </a:p>
+          <a:p>
+            <a:pPr lvl="1"/>
+            <a:endParaRPr lang="en-US" dirty="0"/>
+          </a:p>
+          <a:p>
+            <a:pPr lvl="1"/>
+            <a:endParaRPr lang="en-US" dirty="0"/>
+          </a:p>
+          <a:p>
+            <a:pPr lvl="1"/>
+            <a:endParaRPr lang="en-US" dirty="0"/>
+          </a:p>
+          <a:p>
+            <a:pPr lvl="1"/>
+            <a:endParaRPr lang="en-US" dirty="0"/>
+          </a:p>
+          <a:p>
+            <a:endParaRPr lang="en-US" dirty="0"/>
+          </a:p>
+        </p:txBody>
+      </p:sp>
+      <p:pic>
+        <p:nvPicPr>
+          <p:cNvPr id="9" name="Picture 8">
+            <a:extLst>
+              <a:ext uri="{FF2B5EF4-FFF2-40B4-BE49-F238E27FC236}">
+                <a16:creationId xmlns:a16="http://schemas.microsoft.com/office/drawing/2014/main" id="{EEA856D7-BC11-4C0A-87AC-376AD5FBCF22}"/>
+              </a:ext>
+            </a:extLst>
+          </p:cNvPr>
+          <p:cNvPicPr>
+            <a:picLocks noChangeAspect="1"/>
+          </p:cNvPicPr>
+          <p:nvPr/>
+        </p:nvPicPr>
+        <p:blipFill>
+          <a:blip r:embed="rId3"/>
+          <a:stretch>
+            <a:fillRect/>
+          </a:stretch>
+        </p:blipFill>
+        <p:spPr>
+          <a:xfrm>
+            <a:off x="6252518" y="1999028"/>
+            <a:ext cx="5939481" cy="4858972"/>
+          </a:xfrm>
+          <a:prstGeom prst="rect">
+            <a:avLst/>
+          </a:prstGeom>
+        </p:spPr>
+      </p:pic>
+    </p:spTree>
+    <p:extLst>
+      <p:ext uri="{BB962C8B-B14F-4D97-AF65-F5344CB8AC3E}">
+        <p14:creationId xmlns:p14="http://schemas.microsoft.com/office/powerpoint/2010/main" val="2190239623"/>
+      </p:ext>
+    </p:extLst>
+  </p:cSld>
+  <p:clrMapOvr>
+    <a:masterClrMapping/>
+  </p:clrMapOvr>
+</p:sld>
+</file>
+
+<file path=ppt/slides/slide16.xml><?xml version="1.0" encoding="utf-8"?>
+<p:sld xmlns:a="http://schemas.openxmlformats.org/drawingml/2006/main" xmlns:r="http://schemas.openxmlformats.org/officeDocument/2006/relationships" xmlns:p="http://schemas.openxmlformats.org/presentationml/2006/main">
+  <p:cSld>
+    <p:spTree>
+      <p:nvGrpSpPr>
+        <p:cNvPr id="1" name=""/>
+        <p:cNvGrpSpPr/>
+        <p:nvPr/>
+      </p:nvGrpSpPr>
+      <p:grpSpPr>
+        <a:xfrm>
+          <a:off x="0" y="0"/>
+          <a:ext cx="0" cy="0"/>
+          <a:chOff x="0" y="0"/>
+          <a:chExt cx="0" cy="0"/>
+        </a:xfrm>
+      </p:grpSpPr>
+      <p:sp>
+        <p:nvSpPr>
+          <p:cNvPr id="2" name="Title 1">
+            <a:extLst>
+              <a:ext uri="{FF2B5EF4-FFF2-40B4-BE49-F238E27FC236}">
+                <a16:creationId xmlns:a16="http://schemas.microsoft.com/office/drawing/2014/main" id="{D76A3165-9D76-4379-9C46-FD89A1BEEB62}"/>
+              </a:ext>
+            </a:extLst>
+          </p:cNvPr>
+          <p:cNvSpPr>
+            <a:spLocks noGrp="1"/>
+          </p:cNvSpPr>
+          <p:nvPr>
+            <p:ph type="title"/>
+          </p:nvPr>
+        </p:nvSpPr>
+        <p:spPr/>
+        <p:txBody>
+          <a:bodyPr/>
+          <a:lstStyle/>
+          <a:p>
+            <a:r>
+              <a:rPr lang="en-US" dirty="0"/>
+              <a:t>Flutter: architecture</a:t>
+            </a:r>
+          </a:p>
+        </p:txBody>
+      </p:sp>
+      <p:sp>
+        <p:nvSpPr>
+          <p:cNvPr id="3" name="Content Placeholder 2">
+            <a:extLst>
+              <a:ext uri="{FF2B5EF4-FFF2-40B4-BE49-F238E27FC236}">
+                <a16:creationId xmlns:a16="http://schemas.microsoft.com/office/drawing/2014/main" id="{48C87C28-79B1-4965-88AC-7E47CC29015E}"/>
+              </a:ext>
+            </a:extLst>
+          </p:cNvPr>
+          <p:cNvSpPr>
+            <a:spLocks noGrp="1"/>
+          </p:cNvSpPr>
+          <p:nvPr>
+            <p:ph idx="1"/>
+          </p:nvPr>
+        </p:nvSpPr>
+        <p:spPr>
+          <a:xfrm>
+            <a:off x="680321" y="2336872"/>
+            <a:ext cx="11511679" cy="4521128"/>
+          </a:xfrm>
+        </p:spPr>
+        <p:txBody>
+          <a:bodyPr/>
+          <a:lstStyle/>
+          <a:p>
+            <a:r>
+              <a:rPr lang="en-US" dirty="0"/>
+              <a:t>Reactive user interfaces:</a:t>
+            </a:r>
+          </a:p>
+          <a:p>
+            <a:pPr lvl="1"/>
+            <a:r>
+              <a:rPr lang="en-US" dirty="0"/>
+              <a:t>Decoupling UI from underlying state.</a:t>
+            </a:r>
+          </a:p>
+          <a:p>
+            <a:pPr lvl="1"/>
+            <a:r>
+              <a:rPr lang="en-US" dirty="0"/>
+              <a:t>Create UI description with API</a:t>
+            </a:r>
+          </a:p>
+          <a:p>
+            <a:pPr lvl="1"/>
+            <a:r>
+              <a:rPr lang="en-US" dirty="0"/>
+              <a:t>Framework creates/updates UI when needed</a:t>
+            </a:r>
+          </a:p>
+          <a:p>
+            <a:pPr lvl="1"/>
+            <a:r>
+              <a:rPr lang="en-US" dirty="0"/>
+              <a:t>Widgets (like React components) are classes which propagate state changes downstream to draw the UI</a:t>
+            </a:r>
+          </a:p>
+          <a:p>
+            <a:r>
+              <a:rPr lang="en-US" dirty="0"/>
+              <a:t>Widgets:</a:t>
+            </a:r>
+          </a:p>
+          <a:p>
+            <a:pPr lvl="1"/>
+            <a:r>
+              <a:rPr lang="en-US" dirty="0"/>
+              <a:t>Building block of UI</a:t>
+            </a:r>
+          </a:p>
+          <a:p>
+            <a:pPr lvl="1"/>
+            <a:r>
+              <a:rPr lang="en-US" dirty="0"/>
+              <a:t>Composed of other widgets, and has access to the context of it’s parent all the way to the root widget </a:t>
+            </a:r>
+          </a:p>
+          <a:p>
+            <a:pPr lvl="1"/>
+            <a:r>
+              <a:rPr lang="en-US" dirty="0"/>
+              <a:t>A few concepts responsible for a lot.</a:t>
+            </a:r>
+          </a:p>
+          <a:p>
+            <a:pPr lvl="1"/>
+            <a:r>
+              <a:rPr lang="en-US" dirty="0"/>
+              <a:t>Class hierarchy is shallow but broad (lots of subclasses each level, not a lot of levels)</a:t>
+            </a:r>
+          </a:p>
+          <a:p>
+            <a:pPr lvl="1"/>
+            <a:r>
+              <a:rPr lang="en-US" dirty="0"/>
+              <a:t>You override the build method to determine it’s appearance</a:t>
+            </a:r>
+          </a:p>
+          <a:p>
+            <a:pPr lvl="1"/>
+            <a:endParaRPr lang="en-US" dirty="0"/>
+          </a:p>
+          <a:p>
+            <a:pPr marL="457200" lvl="1" indent="0">
+              <a:buNone/>
+            </a:pPr>
+            <a:endParaRPr lang="en-US" dirty="0"/>
+          </a:p>
+          <a:p>
+            <a:pPr lvl="1"/>
+            <a:endParaRPr lang="en-US" dirty="0"/>
+          </a:p>
+          <a:p>
+            <a:pPr lvl="1"/>
+            <a:endParaRPr lang="en-US" dirty="0"/>
+          </a:p>
+          <a:p>
+            <a:pPr lvl="1"/>
+            <a:endParaRPr lang="en-US" dirty="0"/>
+          </a:p>
+        </p:txBody>
+      </p:sp>
+    </p:spTree>
+    <p:extLst>
+      <p:ext uri="{BB962C8B-B14F-4D97-AF65-F5344CB8AC3E}">
+        <p14:creationId xmlns:p14="http://schemas.microsoft.com/office/powerpoint/2010/main" val="3718992953"/>
+      </p:ext>
+    </p:extLst>
+  </p:cSld>
+  <p:clrMapOvr>
+    <a:masterClrMapping/>
+  </p:clrMapOvr>
+</p:sld>
+</file>
+
+<file path=ppt/slides/slide17.xml><?xml version="1.0" encoding="utf-8"?>
+<p:sld xmlns:a="http://schemas.openxmlformats.org/drawingml/2006/main" xmlns:r="http://schemas.openxmlformats.org/officeDocument/2006/relationships" xmlns:p="http://schemas.openxmlformats.org/presentationml/2006/main">
+  <p:cSld>
+    <p:spTree>
+      <p:nvGrpSpPr>
+        <p:cNvPr id="1" name=""/>
+        <p:cNvGrpSpPr/>
+        <p:nvPr/>
+      </p:nvGrpSpPr>
+      <p:grpSpPr>
+        <a:xfrm>
+          <a:off x="0" y="0"/>
+          <a:ext cx="0" cy="0"/>
+          <a:chOff x="0" y="0"/>
+          <a:chExt cx="0" cy="0"/>
+        </a:xfrm>
+      </p:grpSpPr>
+      <p:sp>
+        <p:nvSpPr>
+          <p:cNvPr id="2" name="Title 1">
+            <a:extLst>
+              <a:ext uri="{FF2B5EF4-FFF2-40B4-BE49-F238E27FC236}">
+                <a16:creationId xmlns:a16="http://schemas.microsoft.com/office/drawing/2014/main" id="{A750F709-B5C2-49C7-BF9C-022CC79658E7}"/>
+              </a:ext>
+            </a:extLst>
+          </p:cNvPr>
+          <p:cNvSpPr>
+            <a:spLocks noGrp="1"/>
+          </p:cNvSpPr>
+          <p:nvPr>
+            <p:ph type="title"/>
+          </p:nvPr>
+        </p:nvSpPr>
+        <p:spPr/>
+        <p:txBody>
+          <a:bodyPr/>
+          <a:lstStyle/>
+          <a:p>
+            <a:r>
+              <a:rPr lang="en-US" dirty="0"/>
+              <a:t>Flutter: widgets</a:t>
+            </a:r>
+          </a:p>
+        </p:txBody>
+      </p:sp>
+      <p:sp>
+        <p:nvSpPr>
+          <p:cNvPr id="3" name="Content Placeholder 2">
+            <a:extLst>
+              <a:ext uri="{FF2B5EF4-FFF2-40B4-BE49-F238E27FC236}">
+                <a16:creationId xmlns:a16="http://schemas.microsoft.com/office/drawing/2014/main" id="{F07305A3-3CEB-4B79-93B6-B0B74C328DF5}"/>
+              </a:ext>
+            </a:extLst>
+          </p:cNvPr>
+          <p:cNvSpPr>
+            <a:spLocks noGrp="1"/>
+          </p:cNvSpPr>
+          <p:nvPr>
+            <p:ph idx="1"/>
+          </p:nvPr>
+        </p:nvSpPr>
+        <p:spPr>
+          <a:xfrm>
+            <a:off x="680321" y="2336872"/>
+            <a:ext cx="10995123" cy="4853199"/>
+          </a:xfrm>
+        </p:spPr>
+        <p:txBody>
+          <a:bodyPr/>
+          <a:lstStyle/>
+          <a:p>
+            <a:r>
+              <a:rPr lang="en-US" dirty="0"/>
+              <a:t>Overriding the build() method of widgets returns an element tree</a:t>
+            </a:r>
+          </a:p>
+          <a:p>
+            <a:r>
+              <a:rPr lang="en-US" dirty="0"/>
+              <a:t>For example: a horizontal layout with some buttons in it.</a:t>
+            </a:r>
+          </a:p>
+          <a:p>
+            <a:pPr marL="0" indent="0">
+              <a:buNone/>
+            </a:pPr>
+            <a:endParaRPr lang="en-US" dirty="0"/>
+          </a:p>
+          <a:p>
+            <a:endParaRPr lang="en-US" dirty="0"/>
+          </a:p>
+          <a:p>
+            <a:endParaRPr lang="en-US" dirty="0"/>
+          </a:p>
+        </p:txBody>
+      </p:sp>
+    </p:spTree>
+    <p:extLst>
+      <p:ext uri="{BB962C8B-B14F-4D97-AF65-F5344CB8AC3E}">
+        <p14:creationId xmlns:p14="http://schemas.microsoft.com/office/powerpoint/2010/main" val="372382494"/>
       </p:ext>
     </p:extLst>
   </p:cSld>
@@ -18434,4 +19590,299 @@
     </a:ext>
   </a:extLst>
 </a:theme>
+</file>
+
+<file path=ppt/theme/theme3.xml><?xml version="1.0" encoding="utf-8"?>
+<a:theme xmlns:a="http://schemas.openxmlformats.org/drawingml/2006/main" name="Office Theme">
+  <a:themeElements>
+    <a:clrScheme name="Office">
+      <a:dk1>
+        <a:sysClr val="windowText" lastClr="000000"/>
+      </a:dk1>
+      <a:lt1>
+        <a:sysClr val="window" lastClr="FFFFFF"/>
+      </a:lt1>
+      <a:dk2>
+        <a:srgbClr val="44546A"/>
+      </a:dk2>
+      <a:lt2>
+        <a:srgbClr val="E7E6E6"/>
+      </a:lt2>
+      <a:accent1>
+        <a:srgbClr val="4472C4"/>
+      </a:accent1>
+      <a:accent2>
+        <a:srgbClr val="ED7D31"/>
+      </a:accent2>
+      <a:accent3>
+        <a:srgbClr val="A5A5A5"/>
+      </a:accent3>
+      <a:accent4>
+        <a:srgbClr val="FFC000"/>
+      </a:accent4>
+      <a:accent5>
+        <a:srgbClr val="5B9BD5"/>
+      </a:accent5>
+      <a:accent6>
+        <a:srgbClr val="70AD47"/>
+      </a:accent6>
+      <a:hlink>
+        <a:srgbClr val="0563C1"/>
+      </a:hlink>
+      <a:folHlink>
+        <a:srgbClr val="954F72"/>
+      </a:folHlink>
+    </a:clrScheme>
+    <a:fontScheme name="Office">
+      <a:majorFont>
+        <a:latin typeface="Calibri Light" panose="020F0302020204030204"/>
+        <a:ea typeface=""/>
+        <a:cs typeface=""/>
+        <a:font script="Jpan" typeface="游ゴシック Light"/>
+        <a:font script="Hang" typeface="맑은 고딕"/>
+        <a:font script="Hans" typeface="等线 Light"/>
+        <a:font script="Hant" typeface="新細明體"/>
+        <a:font script="Arab" typeface="Times New Roman"/>
+        <a:font script="Hebr" typeface="Times New Roman"/>
+        <a:font script="Thai" typeface="Angsana New"/>
+        <a:font script="Ethi" typeface="Nyala"/>
+        <a:font script="Beng" typeface="Vrinda"/>
+        <a:font script="Gujr" typeface="Shruti"/>
+        <a:font script="Khmr" typeface="MoolBoran"/>
+        <a:font script="Knda" typeface="Tunga"/>
+        <a:font script="Guru" typeface="Raavi"/>
+        <a:font script="Cans" typeface="Euphemia"/>
+        <a:font script="Cher" typeface="Plantagenet Cherokee"/>
+        <a:font script="Yiii" typeface="Microsoft Yi Baiti"/>
+        <a:font script="Tibt" typeface="Microsoft Himalaya"/>
+        <a:font script="Thaa" typeface="MV Boli"/>
+        <a:font script="Deva" typeface="Mangal"/>
+        <a:font script="Telu" typeface="Gautami"/>
+        <a:font script="Taml" typeface="Latha"/>
+        <a:font script="Syrc" typeface="Estrangelo Edessa"/>
+        <a:font script="Orya" typeface="Kalinga"/>
+        <a:font script="Mlym" typeface="Kartika"/>
+        <a:font script="Laoo" typeface="DokChampa"/>
+        <a:font script="Sinh" typeface="Iskoola Pota"/>
+        <a:font script="Mong" typeface="Mongolian Baiti"/>
+        <a:font script="Viet" typeface="Times New Roman"/>
+        <a:font script="Uigh" typeface="Microsoft Uighur"/>
+        <a:font script="Geor" typeface="Sylfaen"/>
+        <a:font script="Armn" typeface="Arial"/>
+        <a:font script="Bugi" typeface="Leelawadee UI"/>
+        <a:font script="Bopo" typeface="Microsoft JhengHei"/>
+        <a:font script="Java" typeface="Javanese Text"/>
+        <a:font script="Lisu" typeface="Segoe UI"/>
+        <a:font script="Mymr" typeface="Myanmar Text"/>
+        <a:font script="Nkoo" typeface="Ebrima"/>
+        <a:font script="Olck" typeface="Nirmala UI"/>
+        <a:font script="Osma" typeface="Ebrima"/>
+        <a:font script="Phag" typeface="Phagspa"/>
+        <a:font script="Syrn" typeface="Estrangelo Edessa"/>
+        <a:font script="Syrj" typeface="Estrangelo Edessa"/>
+        <a:font script="Syre" typeface="Estrangelo Edessa"/>
+        <a:font script="Sora" typeface="Nirmala UI"/>
+        <a:font script="Tale" typeface="Microsoft Tai Le"/>
+        <a:font script="Talu" typeface="Microsoft New Tai Lue"/>
+        <a:font script="Tfng" typeface="Ebrima"/>
+      </a:majorFont>
+      <a:minorFont>
+        <a:latin typeface="Calibri" panose="020F0502020204030204"/>
+        <a:ea typeface=""/>
+        <a:cs typeface=""/>
+        <a:font script="Jpan" typeface="游ゴシック"/>
+        <a:font script="Hang" typeface="맑은 고딕"/>
+        <a:font script="Hans" typeface="等线"/>
+        <a:font script="Hant" typeface="新細明體"/>
+        <a:font script="Arab" typeface="Arial"/>
+        <a:font script="Hebr" typeface="Arial"/>
+        <a:font script="Thai" typeface="Cordia New"/>
+        <a:font script="Ethi" typeface="Nyala"/>
+        <a:font script="Beng" typeface="Vrinda"/>
+        <a:font script="Gujr" typeface="Shruti"/>
+        <a:font script="Khmr" typeface="DaunPenh"/>
+        <a:font script="Knda" typeface="Tunga"/>
+        <a:font script="Guru" typeface="Raavi"/>
+        <a:font script="Cans" typeface="Euphemia"/>
+        <a:font script="Cher" typeface="Plantagenet Cherokee"/>
+        <a:font script="Yiii" typeface="Microsoft Yi Baiti"/>
+        <a:font script="Tibt" typeface="Microsoft Himalaya"/>
+        <a:font script="Thaa" typeface="MV Boli"/>
+        <a:font script="Deva" typeface="Mangal"/>
+        <a:font script="Telu" typeface="Gautami"/>
+        <a:font script="Taml" typeface="Latha"/>
+        <a:font script="Syrc" typeface="Estrangelo Edessa"/>
+        <a:font script="Orya" typeface="Kalinga"/>
+        <a:font script="Mlym" typeface="Kartika"/>
+        <a:font script="Laoo" typeface="DokChampa"/>
+        <a:font script="Sinh" typeface="Iskoola Pota"/>
+        <a:font script="Mong" typeface="Mongolian Baiti"/>
+        <a:font script="Viet" typeface="Arial"/>
+        <a:font script="Uigh" typeface="Microsoft Uighur"/>
+        <a:font script="Geor" typeface="Sylfaen"/>
+        <a:font script="Armn" typeface="Arial"/>
+        <a:font script="Bugi" typeface="Leelawadee UI"/>
+        <a:font script="Bopo" typeface="Microsoft JhengHei"/>
+        <a:font script="Java" typeface="Javanese Text"/>
+        <a:font script="Lisu" typeface="Segoe UI"/>
+        <a:font script="Mymr" typeface="Myanmar Text"/>
+        <a:font script="Nkoo" typeface="Ebrima"/>
+        <a:font script="Olck" typeface="Nirmala UI"/>
+        <a:font script="Osma" typeface="Ebrima"/>
+        <a:font script="Phag" typeface="Phagspa"/>
+        <a:font script="Syrn" typeface="Estrangelo Edessa"/>
+        <a:font script="Syrj" typeface="Estrangelo Edessa"/>
+        <a:font script="Syre" typeface="Estrangelo Edessa"/>
+        <a:font script="Sora" typeface="Nirmala UI"/>
+        <a:font script="Tale" typeface="Microsoft Tai Le"/>
+        <a:font script="Talu" typeface="Microsoft New Tai Lue"/>
+        <a:font script="Tfng" typeface="Ebrima"/>
+      </a:minorFont>
+    </a:fontScheme>
+    <a:fmtScheme name="Office">
+      <a:fillStyleLst>
+        <a:solidFill>
+          <a:schemeClr val="phClr"/>
+        </a:solidFill>
+        <a:gradFill rotWithShape="1">
+          <a:gsLst>
+            <a:gs pos="0">
+              <a:schemeClr val="phClr">
+                <a:lumMod val="110000"/>
+                <a:satMod val="105000"/>
+                <a:tint val="67000"/>
+              </a:schemeClr>
+            </a:gs>
+            <a:gs pos="50000">
+              <a:schemeClr val="phClr">
+                <a:lumMod val="105000"/>
+                <a:satMod val="103000"/>
+                <a:tint val="73000"/>
+              </a:schemeClr>
+            </a:gs>
+            <a:gs pos="100000">
+              <a:schemeClr val="phClr">
+                <a:lumMod val="105000"/>
+                <a:satMod val="109000"/>
+                <a:tint val="81000"/>
+              </a:schemeClr>
+            </a:gs>
+          </a:gsLst>
+          <a:lin ang="5400000" scaled="0"/>
+        </a:gradFill>
+        <a:gradFill rotWithShape="1">
+          <a:gsLst>
+            <a:gs pos="0">
+              <a:schemeClr val="phClr">
+                <a:satMod val="103000"/>
+                <a:lumMod val="102000"/>
+                <a:tint val="94000"/>
+              </a:schemeClr>
+            </a:gs>
+            <a:gs pos="50000">
+              <a:schemeClr val="phClr">
+                <a:satMod val="110000"/>
+                <a:lumMod val="100000"/>
+                <a:shade val="100000"/>
+              </a:schemeClr>
+            </a:gs>
+            <a:gs pos="100000">
+              <a:schemeClr val="phClr">
+                <a:lumMod val="99000"/>
+                <a:satMod val="120000"/>
+                <a:shade val="78000"/>
+              </a:schemeClr>
+            </a:gs>
+          </a:gsLst>
+          <a:lin ang="5400000" scaled="0"/>
+        </a:gradFill>
+      </a:fillStyleLst>
+      <a:lnStyleLst>
+        <a:ln w="6350" cap="flat" cmpd="sng" algn="ctr">
+          <a:solidFill>
+            <a:schemeClr val="phClr"/>
+          </a:solidFill>
+          <a:prstDash val="solid"/>
+          <a:miter lim="800000"/>
+        </a:ln>
+        <a:ln w="12700" cap="flat" cmpd="sng" algn="ctr">
+          <a:solidFill>
+            <a:schemeClr val="phClr"/>
+          </a:solidFill>
+          <a:prstDash val="solid"/>
+          <a:miter lim="800000"/>
+        </a:ln>
+        <a:ln w="19050" cap="flat" cmpd="sng" algn="ctr">
+          <a:solidFill>
+            <a:schemeClr val="phClr"/>
+          </a:solidFill>
+          <a:prstDash val="solid"/>
+          <a:miter lim="800000"/>
+        </a:ln>
+      </a:lnStyleLst>
+      <a:effectStyleLst>
+        <a:effectStyle>
+          <a:effectLst/>
+        </a:effectStyle>
+        <a:effectStyle>
+          <a:effectLst/>
+        </a:effectStyle>
+        <a:effectStyle>
+          <a:effectLst>
+            <a:outerShdw blurRad="57150" dist="19050" dir="5400000" algn="ctr" rotWithShape="0">
+              <a:srgbClr val="000000">
+                <a:alpha val="63000"/>
+              </a:srgbClr>
+            </a:outerShdw>
+          </a:effectLst>
+        </a:effectStyle>
+      </a:effectStyleLst>
+      <a:bgFillStyleLst>
+        <a:solidFill>
+          <a:schemeClr val="phClr"/>
+        </a:solidFill>
+        <a:solidFill>
+          <a:schemeClr val="phClr">
+            <a:tint val="95000"/>
+            <a:satMod val="170000"/>
+          </a:schemeClr>
+        </a:solidFill>
+        <a:gradFill rotWithShape="1">
+          <a:gsLst>
+            <a:gs pos="0">
+              <a:schemeClr val="phClr">
+                <a:tint val="93000"/>
+                <a:satMod val="150000"/>
+                <a:shade val="98000"/>
+                <a:lumMod val="102000"/>
+              </a:schemeClr>
+            </a:gs>
+            <a:gs pos="50000">
+              <a:schemeClr val="phClr">
+                <a:tint val="98000"/>
+                <a:satMod val="130000"/>
+                <a:shade val="90000"/>
+                <a:lumMod val="103000"/>
+              </a:schemeClr>
+            </a:gs>
+            <a:gs pos="100000">
+              <a:schemeClr val="phClr">
+                <a:shade val="63000"/>
+                <a:satMod val="120000"/>
+              </a:schemeClr>
+            </a:gs>
+          </a:gsLst>
+          <a:lin ang="5400000" scaled="0"/>
+        </a:gradFill>
+      </a:bgFillStyleLst>
+    </a:fmtScheme>
+  </a:themeElements>
+  <a:objectDefaults/>
+  <a:extraClrSchemeLst/>
+  <a:extLst>
+    <a:ext uri="{05A4C25C-085E-4340-85A3-A5531E510DB2}">
+      <thm15:themeFamily xmlns:thm15="http://schemas.microsoft.com/office/thememl/2012/main" name="Office Theme" id="{62F939B6-93AF-4DB8-9C6B-D6C7DFDC589F}" vid="{4A3C46E8-61CC-4603-A589-7422A47A8E4A}"/>
+    </a:ext>
+  </a:extLst>
+</a:theme>
 </file>
--- a/week3/week3_slideshow.pptx
+++ b/week3/week3_slideshow.pptx
@@ -214,7 +214,7 @@
           <a:p>
             <a:fld id="{22359FA8-0645-430F-BE3A-18977B50E42F}" type="datetimeFigureOut">
               <a:rPr lang="en-US" smtClean="0"/>
-              <a:t>2/18/2022</a:t>
+              <a:t>2/19/2022</a:t>
             </a:fld>
             <a:endParaRPr lang="en-US"/>
           </a:p>
@@ -1058,7 +1058,7 @@
           <a:p>
             <a:fld id="{34891F7B-7391-4F87-9AA4-1E9AC2164F40}" type="datetimeFigureOut">
               <a:rPr lang="en-US" smtClean="0"/>
-              <a:t>2/18/2022</a:t>
+              <a:t>2/19/2022</a:t>
             </a:fld>
             <a:endParaRPr lang="en-US"/>
           </a:p>
@@ -1472,7 +1472,7 @@
           <a:p>
             <a:fld id="{34891F7B-7391-4F87-9AA4-1E9AC2164F40}" type="datetimeFigureOut">
               <a:rPr lang="en-US" smtClean="0"/>
-              <a:t>2/18/2022</a:t>
+              <a:t>2/19/2022</a:t>
             </a:fld>
             <a:endParaRPr lang="en-US"/>
           </a:p>
@@ -1808,7 +1808,7 @@
           <a:p>
             <a:fld id="{34891F7B-7391-4F87-9AA4-1E9AC2164F40}" type="datetimeFigureOut">
               <a:rPr lang="en-US" smtClean="0"/>
-              <a:t>2/18/2022</a:t>
+              <a:t>2/19/2022</a:t>
             </a:fld>
             <a:endParaRPr lang="en-US"/>
           </a:p>
@@ -2213,7 +2213,7 @@
           <a:p>
             <a:fld id="{34891F7B-7391-4F87-9AA4-1E9AC2164F40}" type="datetimeFigureOut">
               <a:rPr lang="en-US" smtClean="0"/>
-              <a:t>2/18/2022</a:t>
+              <a:t>2/19/2022</a:t>
             </a:fld>
             <a:endParaRPr lang="en-US"/>
           </a:p>
@@ -2781,7 +2781,7 @@
           <a:p>
             <a:fld id="{34891F7B-7391-4F87-9AA4-1E9AC2164F40}" type="datetimeFigureOut">
               <a:rPr lang="en-US" smtClean="0"/>
-              <a:t>2/18/2022</a:t>
+              <a:t>2/19/2022</a:t>
             </a:fld>
             <a:endParaRPr lang="en-US"/>
           </a:p>
@@ -3462,7 +3462,7 @@
           <a:p>
             <a:fld id="{34891F7B-7391-4F87-9AA4-1E9AC2164F40}" type="datetimeFigureOut">
               <a:rPr lang="en-US" smtClean="0"/>
-              <a:t>2/18/2022</a:t>
+              <a:t>2/19/2022</a:t>
             </a:fld>
             <a:endParaRPr lang="en-US"/>
           </a:p>
@@ -4375,7 +4375,7 @@
           <a:p>
             <a:fld id="{34891F7B-7391-4F87-9AA4-1E9AC2164F40}" type="datetimeFigureOut">
               <a:rPr lang="en-US" smtClean="0"/>
-              <a:t>2/18/2022</a:t>
+              <a:t>2/19/2022</a:t>
             </a:fld>
             <a:endParaRPr lang="en-US"/>
           </a:p>
@@ -4688,7 +4688,7 @@
           <a:p>
             <a:fld id="{34891F7B-7391-4F87-9AA4-1E9AC2164F40}" type="datetimeFigureOut">
               <a:rPr lang="en-US" smtClean="0"/>
-              <a:t>2/18/2022</a:t>
+              <a:t>2/19/2022</a:t>
             </a:fld>
             <a:endParaRPr lang="en-US"/>
           </a:p>
@@ -4952,7 +4952,7 @@
           <a:p>
             <a:fld id="{34891F7B-7391-4F87-9AA4-1E9AC2164F40}" type="datetimeFigureOut">
               <a:rPr lang="en-US" smtClean="0"/>
-              <a:t>2/18/2022</a:t>
+              <a:t>2/19/2022</a:t>
             </a:fld>
             <a:endParaRPr lang="en-US"/>
           </a:p>
@@ -5301,7 +5301,7 @@
           <a:p>
             <a:fld id="{34891F7B-7391-4F87-9AA4-1E9AC2164F40}" type="datetimeFigureOut">
               <a:rPr lang="en-US" smtClean="0"/>
-              <a:t>2/18/2022</a:t>
+              <a:t>2/19/2022</a:t>
             </a:fld>
             <a:endParaRPr lang="en-US"/>
           </a:p>
@@ -5615,7 +5615,7 @@
           <a:p>
             <a:fld id="{34891F7B-7391-4F87-9AA4-1E9AC2164F40}" type="datetimeFigureOut">
               <a:rPr lang="en-US" smtClean="0"/>
-              <a:t>2/18/2022</a:t>
+              <a:t>2/19/2022</a:t>
             </a:fld>
             <a:endParaRPr lang="en-US"/>
           </a:p>
@@ -5924,7 +5924,7 @@
           <a:p>
             <a:fld id="{34891F7B-7391-4F87-9AA4-1E9AC2164F40}" type="datetimeFigureOut">
               <a:rPr lang="en-US" smtClean="0"/>
-              <a:t>2/18/2022</a:t>
+              <a:t>2/19/2022</a:t>
             </a:fld>
             <a:endParaRPr lang="en-US"/>
           </a:p>
@@ -6313,7 +6313,7 @@
           <a:p>
             <a:fld id="{34891F7B-7391-4F87-9AA4-1E9AC2164F40}" type="datetimeFigureOut">
               <a:rPr lang="en-US" smtClean="0"/>
-              <a:t>2/18/2022</a:t>
+              <a:t>2/19/2022</a:t>
             </a:fld>
             <a:endParaRPr lang="en-US"/>
           </a:p>
@@ -6689,7 +6689,7 @@
           <a:p>
             <a:fld id="{34891F7B-7391-4F87-9AA4-1E9AC2164F40}" type="datetimeFigureOut">
               <a:rPr lang="en-US" smtClean="0"/>
-              <a:t>2/18/2022</a:t>
+              <a:t>2/19/2022</a:t>
             </a:fld>
             <a:endParaRPr lang="en-US"/>
           </a:p>
@@ -7195,7 +7195,7 @@
           <a:p>
             <a:fld id="{34891F7B-7391-4F87-9AA4-1E9AC2164F40}" type="datetimeFigureOut">
               <a:rPr lang="en-US" smtClean="0"/>
-              <a:t>2/18/2022</a:t>
+              <a:t>2/19/2022</a:t>
             </a:fld>
             <a:endParaRPr lang="en-US"/>
           </a:p>
@@ -7452,7 +7452,7 @@
           <a:p>
             <a:fld id="{34891F7B-7391-4F87-9AA4-1E9AC2164F40}" type="datetimeFigureOut">
               <a:rPr lang="en-US" smtClean="0"/>
-              <a:t>2/18/2022</a:t>
+              <a:t>2/19/2022</a:t>
             </a:fld>
             <a:endParaRPr lang="en-US"/>
           </a:p>
@@ -7615,7 +7615,7 @@
           <a:p>
             <a:fld id="{34891F7B-7391-4F87-9AA4-1E9AC2164F40}" type="datetimeFigureOut">
               <a:rPr lang="en-US" smtClean="0"/>
-              <a:t>2/18/2022</a:t>
+              <a:t>2/19/2022</a:t>
             </a:fld>
             <a:endParaRPr lang="en-US"/>
           </a:p>
@@ -8005,7 +8005,7 @@
           <a:p>
             <a:fld id="{34891F7B-7391-4F87-9AA4-1E9AC2164F40}" type="datetimeFigureOut">
               <a:rPr lang="en-US" smtClean="0"/>
-              <a:t>2/18/2022</a:t>
+              <a:t>2/19/2022</a:t>
             </a:fld>
             <a:endParaRPr lang="en-US"/>
           </a:p>
@@ -8414,7 +8414,7 @@
           <a:p>
             <a:fld id="{34891F7B-7391-4F87-9AA4-1E9AC2164F40}" type="datetimeFigureOut">
               <a:rPr lang="en-US" smtClean="0"/>
-              <a:t>2/18/2022</a:t>
+              <a:t>2/19/2022</a:t>
             </a:fld>
             <a:endParaRPr lang="en-US"/>
           </a:p>
@@ -8823,7 +8823,7 @@
           <a:p>
             <a:fld id="{34891F7B-7391-4F87-9AA4-1E9AC2164F40}" type="datetimeFigureOut">
               <a:rPr lang="en-US" smtClean="0"/>
-              <a:t>2/18/2022</a:t>
+              <a:t>2/19/2022</a:t>
             </a:fld>
             <a:endParaRPr lang="en-US"/>
           </a:p>
@@ -9159,7 +9159,7 @@
           <a:p>
             <a:fld id="{34891F7B-7391-4F87-9AA4-1E9AC2164F40}" type="datetimeFigureOut">
               <a:rPr lang="en-US" smtClean="0"/>
-              <a:t>2/18/2022</a:t>
+              <a:t>2/19/2022</a:t>
             </a:fld>
             <a:endParaRPr lang="en-US"/>
           </a:p>
@@ -9564,7 +9564,7 @@
           <a:p>
             <a:fld id="{34891F7B-7391-4F87-9AA4-1E9AC2164F40}" type="datetimeFigureOut">
               <a:rPr lang="en-US" smtClean="0"/>
-              <a:t>2/18/2022</a:t>
+              <a:t>2/19/2022</a:t>
             </a:fld>
             <a:endParaRPr lang="en-US"/>
           </a:p>
@@ -10190,7 +10190,7 @@
           <a:p>
             <a:fld id="{34891F7B-7391-4F87-9AA4-1E9AC2164F40}" type="datetimeFigureOut">
               <a:rPr lang="en-US" smtClean="0"/>
-              <a:t>2/18/2022</a:t>
+              <a:t>2/19/2022</a:t>
             </a:fld>
             <a:endParaRPr lang="en-US"/>
           </a:p>
@@ -10526,7 +10526,7 @@
           <a:p>
             <a:fld id="{34891F7B-7391-4F87-9AA4-1E9AC2164F40}" type="datetimeFigureOut">
               <a:rPr lang="en-US" smtClean="0"/>
-              <a:t>2/18/2022</a:t>
+              <a:t>2/19/2022</a:t>
             </a:fld>
             <a:endParaRPr lang="en-US"/>
           </a:p>
@@ -11207,7 +11207,7 @@
           <a:p>
             <a:fld id="{34891F7B-7391-4F87-9AA4-1E9AC2164F40}" type="datetimeFigureOut">
               <a:rPr lang="en-US" smtClean="0"/>
-              <a:t>2/18/2022</a:t>
+              <a:t>2/19/2022</a:t>
             </a:fld>
             <a:endParaRPr lang="en-US"/>
           </a:p>
@@ -12120,7 +12120,7 @@
           <a:p>
             <a:fld id="{34891F7B-7391-4F87-9AA4-1E9AC2164F40}" type="datetimeFigureOut">
               <a:rPr lang="en-US" smtClean="0"/>
-              <a:t>2/18/2022</a:t>
+              <a:t>2/19/2022</a:t>
             </a:fld>
             <a:endParaRPr lang="en-US"/>
           </a:p>
@@ -12433,7 +12433,7 @@
           <a:p>
             <a:fld id="{34891F7B-7391-4F87-9AA4-1E9AC2164F40}" type="datetimeFigureOut">
               <a:rPr lang="en-US" smtClean="0"/>
-              <a:t>2/18/2022</a:t>
+              <a:t>2/19/2022</a:t>
             </a:fld>
             <a:endParaRPr lang="en-US"/>
           </a:p>
@@ -12697,7 +12697,7 @@
           <a:p>
             <a:fld id="{34891F7B-7391-4F87-9AA4-1E9AC2164F40}" type="datetimeFigureOut">
               <a:rPr lang="en-US" smtClean="0"/>
-              <a:t>2/18/2022</a:t>
+              <a:t>2/19/2022</a:t>
             </a:fld>
             <a:endParaRPr lang="en-US"/>
           </a:p>
@@ -13082,7 +13082,7 @@
           <a:p>
             <a:fld id="{34891F7B-7391-4F87-9AA4-1E9AC2164F40}" type="datetimeFigureOut">
               <a:rPr lang="en-US" smtClean="0"/>
-              <a:t>2/18/2022</a:t>
+              <a:t>2/19/2022</a:t>
             </a:fld>
             <a:endParaRPr lang="en-US"/>
           </a:p>
@@ -13588,7 +13588,7 @@
           <a:p>
             <a:fld id="{34891F7B-7391-4F87-9AA4-1E9AC2164F40}" type="datetimeFigureOut">
               <a:rPr lang="en-US" smtClean="0"/>
-              <a:t>2/18/2022</a:t>
+              <a:t>2/19/2022</a:t>
             </a:fld>
             <a:endParaRPr lang="en-US"/>
           </a:p>
@@ -13845,7 +13845,7 @@
           <a:p>
             <a:fld id="{34891F7B-7391-4F87-9AA4-1E9AC2164F40}" type="datetimeFigureOut">
               <a:rPr lang="en-US" smtClean="0"/>
-              <a:t>2/18/2022</a:t>
+              <a:t>2/19/2022</a:t>
             </a:fld>
             <a:endParaRPr lang="en-US"/>
           </a:p>
@@ -14008,7 +14008,7 @@
           <a:p>
             <a:fld id="{34891F7B-7391-4F87-9AA4-1E9AC2164F40}" type="datetimeFigureOut">
               <a:rPr lang="en-US" smtClean="0"/>
-              <a:t>2/18/2022</a:t>
+              <a:t>2/19/2022</a:t>
             </a:fld>
             <a:endParaRPr lang="en-US"/>
           </a:p>
@@ -14398,7 +14398,7 @@
           <a:p>
             <a:fld id="{34891F7B-7391-4F87-9AA4-1E9AC2164F40}" type="datetimeFigureOut">
               <a:rPr lang="en-US" smtClean="0"/>
-              <a:t>2/18/2022</a:t>
+              <a:t>2/19/2022</a:t>
             </a:fld>
             <a:endParaRPr lang="en-US"/>
           </a:p>
@@ -14807,7 +14807,7 @@
           <a:p>
             <a:fld id="{34891F7B-7391-4F87-9AA4-1E9AC2164F40}" type="datetimeFigureOut">
               <a:rPr lang="en-US" smtClean="0"/>
-              <a:t>2/18/2022</a:t>
+              <a:t>2/19/2022</a:t>
             </a:fld>
             <a:endParaRPr lang="en-US"/>
           </a:p>
@@ -15051,7 +15051,7 @@
           <a:p>
             <a:fld id="{34891F7B-7391-4F87-9AA4-1E9AC2164F40}" type="datetimeFigureOut">
               <a:rPr lang="en-US" smtClean="0"/>
-              <a:t>2/18/2022</a:t>
+              <a:t>2/19/2022</a:t>
             </a:fld>
             <a:endParaRPr lang="en-US"/>
           </a:p>
@@ -15628,7 +15628,7 @@
           <a:p>
             <a:fld id="{34891F7B-7391-4F87-9AA4-1E9AC2164F40}" type="datetimeFigureOut">
               <a:rPr lang="en-US" smtClean="0"/>
-              <a:t>2/18/2022</a:t>
+              <a:t>2/19/2022</a:t>
             </a:fld>
             <a:endParaRPr lang="en-US"/>
           </a:p>
@@ -17664,8 +17664,8 @@
         </p:nvSpPr>
         <p:spPr>
           <a:xfrm>
-            <a:off x="680321" y="2336872"/>
-            <a:ext cx="10995123" cy="4853199"/>
+            <a:off x="680321" y="2336873"/>
+            <a:ext cx="10995123" cy="4275684"/>
           </a:xfrm>
         </p:spPr>
         <p:txBody>
@@ -17836,7 +17836,7 @@
           <a:p>
             <a:r>
               <a:rPr lang="en-US" dirty="0"/>
-              <a:t>Async</a:t>
+              <a:t>flutter</a:t>
             </a:r>
           </a:p>
           <a:p>
